--- a/05_revue_de_projet/revues/01_manon_morille/SFL1_revue2_manon.pptx
+++ b/05_revue_de_projet/revues/01_manon_morille/SFL1_revue2_manon.pptx
@@ -13,9 +13,13 @@
     <p:sldId id="267" r:id="rId7"/>
     <p:sldId id="261" r:id="rId8"/>
     <p:sldId id="268" r:id="rId9"/>
-    <p:sldId id="269" r:id="rId10"/>
-    <p:sldId id="270" r:id="rId11"/>
-    <p:sldId id="271" r:id="rId12"/>
+    <p:sldId id="273" r:id="rId10"/>
+    <p:sldId id="274" r:id="rId11"/>
+    <p:sldId id="269" r:id="rId12"/>
+    <p:sldId id="270" r:id="rId13"/>
+    <p:sldId id="275" r:id="rId14"/>
+    <p:sldId id="271" r:id="rId15"/>
+    <p:sldId id="272" r:id="rId16"/>
   </p:sldIdLst>
   <p:sldSz cx="12192000" cy="6858000"/>
   <p:notesSz cx="6858000" cy="9144000"/>
@@ -339,7 +343,7 @@
           <a:p>
             <a:fld id="{1F5DCE98-6469-4349-83BA-9C41D5BCF405}" type="datetimeFigureOut">
               <a:rPr lang="fr-FR" smtClean="0"/>
-              <a:t>22/02/2018</a:t>
+              <a:t>12/03/2018</a:t>
             </a:fld>
             <a:endParaRPr lang="fr-FR"/>
           </a:p>
@@ -630,7 +634,7 @@
           <a:p>
             <a:fld id="{1F5DCE98-6469-4349-83BA-9C41D5BCF405}" type="datetimeFigureOut">
               <a:rPr lang="fr-FR" smtClean="0"/>
-              <a:t>22/02/2018</a:t>
+              <a:t>12/03/2018</a:t>
             </a:fld>
             <a:endParaRPr lang="fr-FR"/>
           </a:p>
@@ -889,7 +893,7 @@
           <a:p>
             <a:fld id="{1F5DCE98-6469-4349-83BA-9C41D5BCF405}" type="datetimeFigureOut">
               <a:rPr lang="fr-FR" smtClean="0"/>
-              <a:t>22/02/2018</a:t>
+              <a:t>12/03/2018</a:t>
             </a:fld>
             <a:endParaRPr lang="fr-FR"/>
           </a:p>
@@ -1358,7 +1362,7 @@
           <a:p>
             <a:fld id="{1F5DCE98-6469-4349-83BA-9C41D5BCF405}" type="datetimeFigureOut">
               <a:rPr lang="fr-FR" smtClean="0"/>
-              <a:t>22/02/2018</a:t>
+              <a:t>12/03/2018</a:t>
             </a:fld>
             <a:endParaRPr lang="fr-FR"/>
           </a:p>
@@ -1538,7 +1542,7 @@
           <a:p>
             <a:fld id="{1F5DCE98-6469-4349-83BA-9C41D5BCF405}" type="datetimeFigureOut">
               <a:rPr lang="fr-FR" smtClean="0"/>
-              <a:t>22/02/2018</a:t>
+              <a:t>12/03/2018</a:t>
             </a:fld>
             <a:endParaRPr lang="fr-FR"/>
           </a:p>
@@ -2114,7 +2118,7 @@
           <a:p>
             <a:fld id="{1F5DCE98-6469-4349-83BA-9C41D5BCF405}" type="datetimeFigureOut">
               <a:rPr lang="fr-FR" smtClean="0"/>
-              <a:t>22/02/2018</a:t>
+              <a:t>12/03/2018</a:t>
             </a:fld>
             <a:endParaRPr lang="fr-FR"/>
           </a:p>
@@ -2446,7 +2450,7 @@
           <a:p>
             <a:fld id="{1F5DCE98-6469-4349-83BA-9C41D5BCF405}" type="datetimeFigureOut">
               <a:rPr lang="fr-FR" smtClean="0"/>
-              <a:t>22/02/2018</a:t>
+              <a:t>12/03/2018</a:t>
             </a:fld>
             <a:endParaRPr lang="fr-FR"/>
           </a:p>
@@ -2621,7 +2625,7 @@
           <a:p>
             <a:fld id="{1F5DCE98-6469-4349-83BA-9C41D5BCF405}" type="datetimeFigureOut">
               <a:rPr lang="fr-FR" smtClean="0"/>
-              <a:t>22/02/2018</a:t>
+              <a:t>12/03/2018</a:t>
             </a:fld>
             <a:endParaRPr lang="fr-FR"/>
           </a:p>
@@ -2801,7 +2805,7 @@
           <a:p>
             <a:fld id="{1F5DCE98-6469-4349-83BA-9C41D5BCF405}" type="datetimeFigureOut">
               <a:rPr lang="fr-FR" smtClean="0"/>
-              <a:t>22/02/2018</a:t>
+              <a:t>12/03/2018</a:t>
             </a:fld>
             <a:endParaRPr lang="fr-FR"/>
           </a:p>
@@ -2971,7 +2975,7 @@
           <a:p>
             <a:fld id="{1F5DCE98-6469-4349-83BA-9C41D5BCF405}" type="datetimeFigureOut">
               <a:rPr lang="fr-FR" smtClean="0"/>
-              <a:t>22/02/2018</a:t>
+              <a:t>12/03/2018</a:t>
             </a:fld>
             <a:endParaRPr lang="fr-FR"/>
           </a:p>
@@ -3228,7 +3232,7 @@
           <a:p>
             <a:fld id="{1F5DCE98-6469-4349-83BA-9C41D5BCF405}" type="datetimeFigureOut">
               <a:rPr lang="fr-FR" smtClean="0"/>
-              <a:t>22/02/2018</a:t>
+              <a:t>12/03/2018</a:t>
             </a:fld>
             <a:endParaRPr lang="fr-FR"/>
           </a:p>
@@ -3520,7 +3524,7 @@
           <a:p>
             <a:fld id="{1F5DCE98-6469-4349-83BA-9C41D5BCF405}" type="datetimeFigureOut">
               <a:rPr lang="fr-FR" smtClean="0"/>
-              <a:t>22/02/2018</a:t>
+              <a:t>12/03/2018</a:t>
             </a:fld>
             <a:endParaRPr lang="fr-FR"/>
           </a:p>
@@ -3950,7 +3954,7 @@
           <a:p>
             <a:fld id="{1F5DCE98-6469-4349-83BA-9C41D5BCF405}" type="datetimeFigureOut">
               <a:rPr lang="fr-FR" smtClean="0"/>
-              <a:t>22/02/2018</a:t>
+              <a:t>12/03/2018</a:t>
             </a:fld>
             <a:endParaRPr lang="fr-FR"/>
           </a:p>
@@ -4068,7 +4072,7 @@
           <a:p>
             <a:fld id="{1F5DCE98-6469-4349-83BA-9C41D5BCF405}" type="datetimeFigureOut">
               <a:rPr lang="fr-FR" smtClean="0"/>
-              <a:t>22/02/2018</a:t>
+              <a:t>12/03/2018</a:t>
             </a:fld>
             <a:endParaRPr lang="fr-FR"/>
           </a:p>
@@ -4163,7 +4167,7 @@
           <a:p>
             <a:fld id="{1F5DCE98-6469-4349-83BA-9C41D5BCF405}" type="datetimeFigureOut">
               <a:rPr lang="fr-FR" smtClean="0"/>
-              <a:t>22/02/2018</a:t>
+              <a:t>12/03/2018</a:t>
             </a:fld>
             <a:endParaRPr lang="fr-FR"/>
           </a:p>
@@ -4446,7 +4450,7 @@
           <a:p>
             <a:fld id="{1F5DCE98-6469-4349-83BA-9C41D5BCF405}" type="datetimeFigureOut">
               <a:rPr lang="fr-FR" smtClean="0"/>
-              <a:t>22/02/2018</a:t>
+              <a:t>12/03/2018</a:t>
             </a:fld>
             <a:endParaRPr lang="fr-FR"/>
           </a:p>
@@ -4737,7 +4741,7 @@
           <a:p>
             <a:fld id="{1F5DCE98-6469-4349-83BA-9C41D5BCF405}" type="datetimeFigureOut">
               <a:rPr lang="fr-FR" smtClean="0"/>
-              <a:t>22/02/2018</a:t>
+              <a:t>12/03/2018</a:t>
             </a:fld>
             <a:endParaRPr lang="fr-FR"/>
           </a:p>
@@ -4968,7 +4972,7 @@
           <a:p>
             <a:fld id="{1F5DCE98-6469-4349-83BA-9C41D5BCF405}" type="datetimeFigureOut">
               <a:rPr lang="fr-FR" smtClean="0"/>
-              <a:t>22/02/2018</a:t>
+              <a:t>12/03/2018</a:t>
             </a:fld>
             <a:endParaRPr lang="fr-FR"/>
           </a:p>
@@ -5879,42 +5883,6 @@
           </a:p>
         </p:txBody>
       </p:sp>
-      <p:pic>
-        <p:nvPicPr>
-          <p:cNvPr id="6" name="Image 5">
-            <a:extLst>
-              <a:ext uri="{FF2B5EF4-FFF2-40B4-BE49-F238E27FC236}">
-                <a16:creationId xmlns:a16="http://schemas.microsoft.com/office/drawing/2014/main" id="{8400388E-2F88-4379-AE08-61F5D955509E}"/>
-              </a:ext>
-            </a:extLst>
-          </p:cNvPr>
-          <p:cNvPicPr>
-            <a:picLocks noChangeAspect="1"/>
-          </p:cNvPicPr>
-          <p:nvPr/>
-        </p:nvPicPr>
-        <p:blipFill>
-          <a:blip r:embed="rId3">
-            <a:extLst>
-              <a:ext uri="{28A0092B-C50C-407E-A947-70E740481C1C}">
-                <a14:useLocalDpi xmlns:a14="http://schemas.microsoft.com/office/drawing/2010/main" val="0"/>
-              </a:ext>
-            </a:extLst>
-          </a:blip>
-          <a:stretch>
-            <a:fillRect/>
-          </a:stretch>
-        </p:blipFill>
-        <p:spPr>
-          <a:xfrm>
-            <a:off x="9866489" y="6122696"/>
-            <a:ext cx="2325511" cy="735304"/>
-          </a:xfrm>
-          <a:prstGeom prst="rect">
-            <a:avLst/>
-          </a:prstGeom>
-        </p:spPr>
-      </p:pic>
       <p:sp>
         <p:nvSpPr>
           <p:cNvPr id="8" name="TextBox 1">
@@ -6041,7 +6009,7 @@
           <p:nvPr/>
         </p:nvPicPr>
         <p:blipFill>
-          <a:blip r:embed="rId4">
+          <a:blip r:embed="rId3">
             <a:extLst>
               <a:ext uri="{28A0092B-C50C-407E-A947-70E740481C1C}">
                 <a14:useLocalDpi xmlns:a14="http://schemas.microsoft.com/office/drawing/2010/main" val="0"/>
@@ -6056,6 +6024,42 @@
           <a:xfrm>
             <a:off x="10603683" y="-402672"/>
             <a:ext cx="1926309" cy="1926309"/>
+          </a:xfrm>
+          <a:prstGeom prst="rect">
+            <a:avLst/>
+          </a:prstGeom>
+        </p:spPr>
+      </p:pic>
+      <p:pic>
+        <p:nvPicPr>
+          <p:cNvPr id="9" name="Image 8">
+            <a:extLst>
+              <a:ext uri="{FF2B5EF4-FFF2-40B4-BE49-F238E27FC236}">
+                <a16:creationId xmlns:a16="http://schemas.microsoft.com/office/drawing/2014/main" id="{E695C9C5-4A0E-4782-8888-189781B00E50}"/>
+              </a:ext>
+            </a:extLst>
+          </p:cNvPr>
+          <p:cNvPicPr>
+            <a:picLocks noChangeAspect="1"/>
+          </p:cNvPicPr>
+          <p:nvPr/>
+        </p:nvPicPr>
+        <p:blipFill>
+          <a:blip r:embed="rId4">
+            <a:extLst>
+              <a:ext uri="{28A0092B-C50C-407E-A947-70E740481C1C}">
+                <a14:useLocalDpi xmlns:a14="http://schemas.microsoft.com/office/drawing/2010/main" val="0"/>
+              </a:ext>
+            </a:extLst>
+          </a:blip>
+          <a:stretch>
+            <a:fillRect/>
+          </a:stretch>
+        </p:blipFill>
+        <p:spPr>
+          <a:xfrm>
+            <a:off x="9695039" y="5998871"/>
+            <a:ext cx="2325511" cy="735304"/>
           </a:xfrm>
           <a:prstGeom prst="rect">
             <a:avLst/>
@@ -6072,18 +6076,6 @@
   <p:clrMapOvr>
     <a:masterClrMapping/>
   </p:clrMapOvr>
-  <mc:AlternateContent xmlns:mc="http://schemas.openxmlformats.org/markup-compatibility/2006">
-    <mc:Choice xmlns:p14="http://schemas.microsoft.com/office/powerpoint/2010/main" Requires="p14">
-      <p:transition spd="slow" p14:dur="1600">
-        <p14:conveyor dir="l"/>
-      </p:transition>
-    </mc:Choice>
-    <mc:Fallback>
-      <p:transition spd="slow">
-        <p:fade/>
-      </p:transition>
-    </mc:Fallback>
-  </mc:AlternateContent>
 </p:sld>
 </file>
 
@@ -6104,61 +6096,36 @@
           <a:chExt cx="0" cy="0"/>
         </a:xfrm>
       </p:grpSpPr>
-      <p:sp>
-        <p:nvSpPr>
-          <p:cNvPr id="2" name="Titre 1">
-            <a:extLst>
-              <a:ext uri="{FF2B5EF4-FFF2-40B4-BE49-F238E27FC236}">
-                <a16:creationId xmlns:a16="http://schemas.microsoft.com/office/drawing/2014/main" id="{6C9FBC24-464F-4D2D-8C23-9BEB71C24F72}"/>
-              </a:ext>
-            </a:extLst>
-          </p:cNvPr>
-          <p:cNvSpPr>
-            <a:spLocks noGrp="1"/>
-          </p:cNvSpPr>
-          <p:nvPr>
-            <p:ph type="title"/>
-          </p:nvPr>
-        </p:nvSpPr>
-        <p:spPr>
-          <a:xfrm>
-            <a:off x="974228" y="489019"/>
-            <a:ext cx="10243543" cy="907701"/>
-          </a:xfrm>
-        </p:spPr>
-        <p:txBody>
-          <a:bodyPr/>
-          <a:lstStyle/>
-          <a:p>
-            <a:r>
-              <a:rPr lang="fr-FR" dirty="0"/>
-              <a:t>La page d’accueil</a:t>
-            </a:r>
-          </a:p>
-        </p:txBody>
-      </p:sp>
       <p:pic>
         <p:nvPicPr>
           <p:cNvPr id="4" name="Image 3">
             <a:extLst>
               <a:ext uri="{FF2B5EF4-FFF2-40B4-BE49-F238E27FC236}">
-                <a16:creationId xmlns:a16="http://schemas.microsoft.com/office/drawing/2014/main" id="{D187EB78-D4DD-4C11-8C27-3EB1F08A55C6}"/>
+                <a16:creationId xmlns:a16="http://schemas.microsoft.com/office/drawing/2014/main" id="{89F71D64-6EA6-41EC-B4A3-3E09AABB517D}"/>
               </a:ext>
             </a:extLst>
           </p:cNvPr>
-          <p:cNvPicPr/>
+          <p:cNvPicPr>
+            <a:picLocks noChangeAspect="1"/>
+          </p:cNvPicPr>
           <p:nvPr/>
         </p:nvPicPr>
         <p:blipFill>
-          <a:blip r:embed="rId2"/>
+          <a:blip r:embed="rId2">
+            <a:extLst>
+              <a:ext uri="{28A0092B-C50C-407E-A947-70E740481C1C}">
+                <a14:useLocalDpi xmlns:a14="http://schemas.microsoft.com/office/drawing/2010/main" val="0"/>
+              </a:ext>
+            </a:extLst>
+          </a:blip>
           <a:stretch>
             <a:fillRect/>
           </a:stretch>
         </p:blipFill>
         <p:spPr>
           <a:xfrm>
-            <a:off x="336549" y="2371027"/>
-            <a:ext cx="5759450" cy="3025775"/>
+            <a:off x="9695039" y="5998871"/>
+            <a:ext cx="2325511" cy="735304"/>
           </a:xfrm>
           <a:prstGeom prst="rect">
             <a:avLst/>
@@ -6170,7 +6137,7 @@
           <p:cNvPr id="5" name="Image 4">
             <a:extLst>
               <a:ext uri="{FF2B5EF4-FFF2-40B4-BE49-F238E27FC236}">
-                <a16:creationId xmlns:a16="http://schemas.microsoft.com/office/drawing/2014/main" id="{8508CF29-AEFB-41AA-B274-E597959567C9}"/>
+                <a16:creationId xmlns:a16="http://schemas.microsoft.com/office/drawing/2014/main" id="{7DD417EE-E13A-4F50-8175-6E737F3369F7}"/>
               </a:ext>
             </a:extLst>
           </p:cNvPr>
@@ -6193,8 +6160,8 @@
         </p:blipFill>
         <p:spPr>
           <a:xfrm>
-            <a:off x="9866489" y="6122696"/>
-            <a:ext cx="2325511" cy="735304"/>
+            <a:off x="10603683" y="-402672"/>
+            <a:ext cx="1926309" cy="1926309"/>
           </a:xfrm>
           <a:prstGeom prst="rect">
             <a:avLst/>
@@ -6203,10 +6170,10 @@
       </p:pic>
       <p:pic>
         <p:nvPicPr>
-          <p:cNvPr id="6" name="Image 5">
+          <p:cNvPr id="7" name="Image 6">
             <a:extLst>
               <a:ext uri="{FF2B5EF4-FFF2-40B4-BE49-F238E27FC236}">
-                <a16:creationId xmlns:a16="http://schemas.microsoft.com/office/drawing/2014/main" id="{2A90DE65-14E6-4346-9BA1-84AF18E2EE08}"/>
+                <a16:creationId xmlns:a16="http://schemas.microsoft.com/office/drawing/2014/main" id="{1E140D53-0C0E-4767-AEAB-1A5BA538D15E}"/>
               </a:ext>
             </a:extLst>
           </p:cNvPr>
@@ -6215,7 +6182,7 @@
           </p:cNvPicPr>
           <p:nvPr/>
         </p:nvPicPr>
-        <p:blipFill>
+        <p:blipFill rotWithShape="1">
           <a:blip r:embed="rId4">
             <a:extLst>
               <a:ext uri="{28A0092B-C50C-407E-A947-70E740481C1C}">
@@ -6223,14 +6190,13 @@
               </a:ext>
             </a:extLst>
           </a:blip>
-          <a:stretch>
-            <a:fillRect/>
-          </a:stretch>
+          <a:srcRect l="19555" t="23492" r="26173" b="37439"/>
+          <a:stretch/>
         </p:blipFill>
         <p:spPr>
           <a:xfrm>
-            <a:off x="10603683" y="-402672"/>
-            <a:ext cx="1926309" cy="1926309"/>
+            <a:off x="3128865" y="1187735"/>
+            <a:ext cx="5730178" cy="3897449"/>
           </a:xfrm>
           <a:prstGeom prst="rect">
             <a:avLst/>
@@ -6240,13 +6206,25 @@
     </p:spTree>
     <p:extLst>
       <p:ext uri="{BB962C8B-B14F-4D97-AF65-F5344CB8AC3E}">
-        <p14:creationId xmlns:p14="http://schemas.microsoft.com/office/powerpoint/2010/main" val="1576514914"/>
+        <p14:creationId xmlns:p14="http://schemas.microsoft.com/office/powerpoint/2010/main" val="2978676261"/>
       </p:ext>
     </p:extLst>
   </p:cSld>
   <p:clrMapOvr>
     <a:masterClrMapping/>
   </p:clrMapOvr>
+  <mc:AlternateContent xmlns:mc="http://schemas.openxmlformats.org/markup-compatibility/2006">
+    <mc:Choice xmlns:p159="http://schemas.microsoft.com/office/powerpoint/2015/09/main" Requires="p159">
+      <p:transition xmlns:p14="http://schemas.microsoft.com/office/powerpoint/2010/main" spd="slow" p14:dur="2000">
+        <p159:morph option="byObject"/>
+      </p:transition>
+    </mc:Choice>
+    <mc:Fallback>
+      <p:transition spd="slow">
+        <p:fade/>
+      </p:transition>
+    </mc:Fallback>
+  </mc:AlternateContent>
 </p:sld>
 </file>
 
@@ -6269,42 +6247,149 @@
       </p:grpSpPr>
       <p:sp>
         <p:nvSpPr>
-          <p:cNvPr id="2" name="Titre 1">
+          <p:cNvPr id="9" name="ZoneTexte 8">
             <a:extLst>
               <a:ext uri="{FF2B5EF4-FFF2-40B4-BE49-F238E27FC236}">
-                <a16:creationId xmlns:a16="http://schemas.microsoft.com/office/drawing/2014/main" id="{D65EAFD1-9A00-44D3-A628-BC2B0612241B}"/>
+                <a16:creationId xmlns:a16="http://schemas.microsoft.com/office/drawing/2014/main" id="{7A1AE439-6D85-42F1-9CB9-8ACFD270A7D5}"/>
               </a:ext>
             </a:extLst>
           </p:cNvPr>
-          <p:cNvSpPr>
-            <a:spLocks noGrp="1"/>
-          </p:cNvSpPr>
-          <p:nvPr>
-            <p:ph type="title"/>
-          </p:nvPr>
-        </p:nvSpPr>
-        <p:spPr/>
-        <p:txBody>
-          <a:bodyPr/>
+          <p:cNvSpPr txBox="1"/>
+          <p:nvPr/>
+        </p:nvSpPr>
+        <p:spPr>
+          <a:xfrm>
+            <a:off x="3680774" y="405673"/>
+            <a:ext cx="7713406" cy="369332"/>
+          </a:xfrm>
+          <a:prstGeom prst="rect">
+            <a:avLst/>
+          </a:prstGeom>
+          <a:noFill/>
+        </p:spPr>
+        <p:txBody>
+          <a:bodyPr wrap="square" rtlCol="0">
+            <a:noAutofit/>
+          </a:bodyPr>
           <a:lstStyle/>
           <a:p>
             <a:r>
               <a:rPr lang="fr-FR" dirty="0"/>
-              <a:t>Page d’historique des relevés</a:t>
+              <a:t>Réaliser les pages Web de consultation</a:t>
+            </a:r>
+          </a:p>
+        </p:txBody>
+      </p:sp>
+      <p:sp>
+        <p:nvSpPr>
+          <p:cNvPr id="13" name="ZoneTexte 12">
+            <a:extLst>
+              <a:ext uri="{FF2B5EF4-FFF2-40B4-BE49-F238E27FC236}">
+                <a16:creationId xmlns:a16="http://schemas.microsoft.com/office/drawing/2014/main" id="{CFAF88F2-2399-4F13-A290-13C56FCCC8C2}"/>
+              </a:ext>
+            </a:extLst>
+          </p:cNvPr>
+          <p:cNvSpPr txBox="1"/>
+          <p:nvPr/>
+        </p:nvSpPr>
+        <p:spPr>
+          <a:xfrm>
+            <a:off x="442970" y="984049"/>
+            <a:ext cx="8146137" cy="2731275"/>
+          </a:xfrm>
+          <a:prstGeom prst="rect">
+            <a:avLst/>
+          </a:prstGeom>
+          <a:noFill/>
+        </p:spPr>
+        <p:txBody>
+          <a:bodyPr wrap="square" rtlCol="0">
+            <a:noAutofit/>
+          </a:bodyPr>
+          <a:lstStyle/>
+          <a:p>
+            <a:r>
+              <a:rPr lang="fr-FR" dirty="0"/>
+              <a:t>Réalisation d’une </a:t>
+            </a:r>
+            <a:r>
+              <a:rPr lang="fr-FR" dirty="0" err="1"/>
+              <a:t>ihm</a:t>
+            </a:r>
+            <a:r>
+              <a:rPr lang="fr-FR" dirty="0"/>
+              <a:t> Cela m’a permis d’optimiser mon site pour crée quelque chose d’intuitif qui permet une lecture rapide des informations (polices de caractères, couleurs, contrastes, forme des icônes...).</a:t>
+            </a:r>
+          </a:p>
+          <a:p>
+            <a:r>
+              <a:rPr lang="fr-FR" dirty="0"/>
+              <a:t> </a:t>
+            </a:r>
+          </a:p>
+          <a:p>
+            <a:r>
+              <a:rPr lang="fr-FR" dirty="0"/>
+              <a:t>Afin que mon site soit ergonomique il devra répondre à deux critères : </a:t>
+            </a:r>
+          </a:p>
+          <a:p>
+            <a:pPr lvl="0"/>
+            <a:r>
+              <a:rPr lang="fr-FR" dirty="0"/>
+              <a:t>Le critère d'utilité qui correspond au besoin de l'utilisateur ;</a:t>
+            </a:r>
+          </a:p>
+          <a:p>
+            <a:pPr lvl="0"/>
+            <a:r>
+              <a:rPr lang="fr-FR" dirty="0"/>
+              <a:t>Le critère " d'utilisabilité " qui correspond à la facilité d'utilisation</a:t>
+            </a:r>
+          </a:p>
+          <a:p>
+            <a:r>
+              <a:rPr lang="fr-FR" dirty="0"/>
+              <a:t> </a:t>
+            </a:r>
+          </a:p>
+          <a:p>
+            <a:r>
+              <a:rPr lang="fr-FR" dirty="0"/>
+              <a:t> </a:t>
+            </a:r>
+          </a:p>
+          <a:p>
+            <a:r>
+              <a:rPr lang="fr-FR" dirty="0"/>
+              <a:t>Mes IHM ont été réalisés avec le logiciel </a:t>
+            </a:r>
+            <a:r>
+              <a:rPr lang="fr-FR" i="1" dirty="0" err="1"/>
+              <a:t>canva</a:t>
+            </a:r>
+            <a:endParaRPr lang="fr-FR" dirty="0"/>
+          </a:p>
+          <a:p>
+            <a:r>
+              <a:rPr lang="fr-FR" dirty="0"/>
+              <a:t> </a:t>
             </a:r>
           </a:p>
         </p:txBody>
       </p:sp>
       <p:pic>
         <p:nvPicPr>
-          <p:cNvPr id="4" name="Image 3">
+          <p:cNvPr id="15" name="Image 14">
             <a:extLst>
               <a:ext uri="{FF2B5EF4-FFF2-40B4-BE49-F238E27FC236}">
-                <a16:creationId xmlns:a16="http://schemas.microsoft.com/office/drawing/2014/main" id="{74A56BB0-DACA-4780-9DDF-C1A85943FFF1}"/>
+                <a16:creationId xmlns:a16="http://schemas.microsoft.com/office/drawing/2014/main" id="{647466A4-A974-417C-924D-268B8C1E17F6}"/>
               </a:ext>
             </a:extLst>
           </p:cNvPr>
-          <p:cNvPicPr/>
+          <p:cNvPicPr>
+            <a:picLocks noChangeAspect="1"/>
+          </p:cNvPicPr>
           <p:nvPr/>
         </p:nvPicPr>
         <p:blipFill>
@@ -6321,8 +6406,8 @@
         </p:blipFill>
         <p:spPr>
           <a:xfrm>
-            <a:off x="334962" y="3584138"/>
-            <a:ext cx="5759450" cy="3005455"/>
+            <a:off x="10603683" y="-402672"/>
+            <a:ext cx="1926309" cy="1926309"/>
           </a:xfrm>
           <a:prstGeom prst="rect">
             <a:avLst/>
@@ -6331,10 +6416,10 @@
       </p:pic>
       <p:pic>
         <p:nvPicPr>
-          <p:cNvPr id="5" name="Image 4">
+          <p:cNvPr id="7" name="Image 6">
             <a:extLst>
               <a:ext uri="{FF2B5EF4-FFF2-40B4-BE49-F238E27FC236}">
-                <a16:creationId xmlns:a16="http://schemas.microsoft.com/office/drawing/2014/main" id="{95D9167A-2CCB-42A0-A1BA-61BF31F4BACF}"/>
+                <a16:creationId xmlns:a16="http://schemas.microsoft.com/office/drawing/2014/main" id="{5BAB4604-05A0-497B-8594-DCD603855A27}"/>
               </a:ext>
             </a:extLst>
           </p:cNvPr>
@@ -6357,8 +6442,111 @@
         </p:blipFill>
         <p:spPr>
           <a:xfrm>
-            <a:off x="9866489" y="6122696"/>
+            <a:off x="9695039" y="5998871"/>
             <a:ext cx="2325511" cy="735304"/>
+          </a:xfrm>
+          <a:prstGeom prst="rect">
+            <a:avLst/>
+          </a:prstGeom>
+        </p:spPr>
+      </p:pic>
+    </p:spTree>
+    <p:extLst>
+      <p:ext uri="{BB962C8B-B14F-4D97-AF65-F5344CB8AC3E}">
+        <p14:creationId xmlns:p14="http://schemas.microsoft.com/office/powerpoint/2010/main" val="744386678"/>
+      </p:ext>
+    </p:extLst>
+  </p:cSld>
+  <p:clrMapOvr>
+    <a:masterClrMapping/>
+  </p:clrMapOvr>
+  <mc:AlternateContent xmlns:mc="http://schemas.openxmlformats.org/markup-compatibility/2006" xmlns:p159="http://schemas.microsoft.com/office/powerpoint/2015/09/main">
+    <mc:Choice Requires="p159">
+      <p:transition xmlns:p14="http://schemas.microsoft.com/office/powerpoint/2010/main" spd="slow" p14:dur="2000">
+        <p159:morph option="byObject"/>
+      </p:transition>
+    </mc:Choice>
+    <mc:Fallback xmlns="">
+      <p:transition spd="slow">
+        <p:fade/>
+      </p:transition>
+    </mc:Fallback>
+  </mc:AlternateContent>
+</p:sld>
+</file>
+
+<file path=ppt/slides/slide12.xml><?xml version="1.0" encoding="utf-8"?>
+<p:sld xmlns:a="http://schemas.openxmlformats.org/drawingml/2006/main" xmlns:r="http://schemas.openxmlformats.org/officeDocument/2006/relationships" xmlns:p="http://schemas.openxmlformats.org/presentationml/2006/main">
+  <p:cSld>
+    <p:spTree>
+      <p:nvGrpSpPr>
+        <p:cNvPr id="1" name=""/>
+        <p:cNvGrpSpPr/>
+        <p:nvPr/>
+      </p:nvGrpSpPr>
+      <p:grpSpPr>
+        <a:xfrm>
+          <a:off x="0" y="0"/>
+          <a:ext cx="0" cy="0"/>
+          <a:chOff x="0" y="0"/>
+          <a:chExt cx="0" cy="0"/>
+        </a:xfrm>
+      </p:grpSpPr>
+      <p:sp>
+        <p:nvSpPr>
+          <p:cNvPr id="2" name="Titre 1">
+            <a:extLst>
+              <a:ext uri="{FF2B5EF4-FFF2-40B4-BE49-F238E27FC236}">
+                <a16:creationId xmlns:a16="http://schemas.microsoft.com/office/drawing/2014/main" id="{6C9FBC24-464F-4D2D-8C23-9BEB71C24F72}"/>
+              </a:ext>
+            </a:extLst>
+          </p:cNvPr>
+          <p:cNvSpPr>
+            <a:spLocks noGrp="1"/>
+          </p:cNvSpPr>
+          <p:nvPr>
+            <p:ph type="title"/>
+          </p:nvPr>
+        </p:nvSpPr>
+        <p:spPr>
+          <a:xfrm>
+            <a:off x="974228" y="489019"/>
+            <a:ext cx="10243543" cy="907701"/>
+          </a:xfrm>
+        </p:spPr>
+        <p:txBody>
+          <a:bodyPr/>
+          <a:lstStyle/>
+          <a:p>
+            <a:r>
+              <a:rPr lang="fr-FR" dirty="0"/>
+              <a:t>La page d’accueil</a:t>
+            </a:r>
+          </a:p>
+        </p:txBody>
+      </p:sp>
+      <p:pic>
+        <p:nvPicPr>
+          <p:cNvPr id="4" name="Image 3">
+            <a:extLst>
+              <a:ext uri="{FF2B5EF4-FFF2-40B4-BE49-F238E27FC236}">
+                <a16:creationId xmlns:a16="http://schemas.microsoft.com/office/drawing/2014/main" id="{D187EB78-D4DD-4C11-8C27-3EB1F08A55C6}"/>
+              </a:ext>
+            </a:extLst>
+          </p:cNvPr>
+          <p:cNvPicPr/>
+          <p:nvPr/>
+        </p:nvPicPr>
+        <p:blipFill>
+          <a:blip r:embed="rId2"/>
+          <a:stretch>
+            <a:fillRect/>
+          </a:stretch>
+        </p:blipFill>
+        <p:spPr>
+          <a:xfrm>
+            <a:off x="2314638" y="1523637"/>
+            <a:ext cx="7902382" cy="4176777"/>
           </a:xfrm>
           <a:prstGeom prst="rect">
             <a:avLst/>
@@ -6370,7 +6558,43 @@
           <p:cNvPr id="6" name="Image 5">
             <a:extLst>
               <a:ext uri="{FF2B5EF4-FFF2-40B4-BE49-F238E27FC236}">
-                <a16:creationId xmlns:a16="http://schemas.microsoft.com/office/drawing/2014/main" id="{BE7D8066-FD29-4738-A8CE-13043CF37C55}"/>
+                <a16:creationId xmlns:a16="http://schemas.microsoft.com/office/drawing/2014/main" id="{2A90DE65-14E6-4346-9BA1-84AF18E2EE08}"/>
+              </a:ext>
+            </a:extLst>
+          </p:cNvPr>
+          <p:cNvPicPr>
+            <a:picLocks noChangeAspect="1"/>
+          </p:cNvPicPr>
+          <p:nvPr/>
+        </p:nvPicPr>
+        <p:blipFill>
+          <a:blip r:embed="rId3">
+            <a:extLst>
+              <a:ext uri="{28A0092B-C50C-407E-A947-70E740481C1C}">
+                <a14:useLocalDpi xmlns:a14="http://schemas.microsoft.com/office/drawing/2010/main" val="0"/>
+              </a:ext>
+            </a:extLst>
+          </a:blip>
+          <a:stretch>
+            <a:fillRect/>
+          </a:stretch>
+        </p:blipFill>
+        <p:spPr>
+          <a:xfrm>
+            <a:off x="10603683" y="-402672"/>
+            <a:ext cx="1926309" cy="1926309"/>
+          </a:xfrm>
+          <a:prstGeom prst="rect">
+            <a:avLst/>
+          </a:prstGeom>
+        </p:spPr>
+      </p:pic>
+      <p:pic>
+        <p:nvPicPr>
+          <p:cNvPr id="7" name="Image 6">
+            <a:extLst>
+              <a:ext uri="{FF2B5EF4-FFF2-40B4-BE49-F238E27FC236}">
+                <a16:creationId xmlns:a16="http://schemas.microsoft.com/office/drawing/2014/main" id="{5B7AF1FF-8508-436A-A445-2B49FD496340}"/>
               </a:ext>
             </a:extLst>
           </p:cNvPr>
@@ -6393,8 +6617,988 @@
         </p:blipFill>
         <p:spPr>
           <a:xfrm>
+            <a:off x="9695039" y="5998871"/>
+            <a:ext cx="2325511" cy="735304"/>
+          </a:xfrm>
+          <a:prstGeom prst="rect">
+            <a:avLst/>
+          </a:prstGeom>
+        </p:spPr>
+      </p:pic>
+    </p:spTree>
+    <p:extLst>
+      <p:ext uri="{BB962C8B-B14F-4D97-AF65-F5344CB8AC3E}">
+        <p14:creationId xmlns:p14="http://schemas.microsoft.com/office/powerpoint/2010/main" val="1576514914"/>
+      </p:ext>
+    </p:extLst>
+  </p:cSld>
+  <p:clrMapOvr>
+    <a:masterClrMapping/>
+  </p:clrMapOvr>
+</p:sld>
+</file>
+
+<file path=ppt/slides/slide13.xml><?xml version="1.0" encoding="utf-8"?>
+<p:sld xmlns:a="http://schemas.openxmlformats.org/drawingml/2006/main" xmlns:r="http://schemas.openxmlformats.org/officeDocument/2006/relationships" xmlns:p="http://schemas.openxmlformats.org/presentationml/2006/main">
+  <p:cSld>
+    <p:spTree>
+      <p:nvGrpSpPr>
+        <p:cNvPr id="1" name=""/>
+        <p:cNvGrpSpPr/>
+        <p:nvPr/>
+      </p:nvGrpSpPr>
+      <p:grpSpPr>
+        <a:xfrm>
+          <a:off x="0" y="0"/>
+          <a:ext cx="0" cy="0"/>
+          <a:chOff x="0" y="0"/>
+          <a:chExt cx="0" cy="0"/>
+        </a:xfrm>
+      </p:grpSpPr>
+      <p:sp>
+        <p:nvSpPr>
+          <p:cNvPr id="2" name="Titre 1">
+            <a:extLst>
+              <a:ext uri="{FF2B5EF4-FFF2-40B4-BE49-F238E27FC236}">
+                <a16:creationId xmlns:a16="http://schemas.microsoft.com/office/drawing/2014/main" id="{6C9FBC24-464F-4D2D-8C23-9BEB71C24F72}"/>
+              </a:ext>
+            </a:extLst>
+          </p:cNvPr>
+          <p:cNvSpPr>
+            <a:spLocks noGrp="1"/>
+          </p:cNvSpPr>
+          <p:nvPr>
+            <p:ph type="title"/>
+          </p:nvPr>
+        </p:nvSpPr>
+        <p:spPr>
+          <a:xfrm>
+            <a:off x="974228" y="489019"/>
+            <a:ext cx="10243543" cy="907701"/>
+          </a:xfrm>
+        </p:spPr>
+        <p:txBody>
+          <a:bodyPr/>
+          <a:lstStyle/>
+          <a:p>
+            <a:r>
+              <a:rPr lang="fr-FR" dirty="0"/>
+              <a:t>La page d’accueil</a:t>
+            </a:r>
+          </a:p>
+        </p:txBody>
+      </p:sp>
+      <p:pic>
+        <p:nvPicPr>
+          <p:cNvPr id="4" name="Image 3">
+            <a:extLst>
+              <a:ext uri="{FF2B5EF4-FFF2-40B4-BE49-F238E27FC236}">
+                <a16:creationId xmlns:a16="http://schemas.microsoft.com/office/drawing/2014/main" id="{D187EB78-D4DD-4C11-8C27-3EB1F08A55C6}"/>
+              </a:ext>
+            </a:extLst>
+          </p:cNvPr>
+          <p:cNvPicPr/>
+          <p:nvPr/>
+        </p:nvPicPr>
+        <p:blipFill>
+          <a:blip r:embed="rId2"/>
+          <a:stretch>
+            <a:fillRect/>
+          </a:stretch>
+        </p:blipFill>
+        <p:spPr>
+          <a:xfrm>
+            <a:off x="2314638" y="1523637"/>
+            <a:ext cx="7902382" cy="4176777"/>
+          </a:xfrm>
+          <a:prstGeom prst="rect">
+            <a:avLst/>
+          </a:prstGeom>
+        </p:spPr>
+      </p:pic>
+      <p:pic>
+        <p:nvPicPr>
+          <p:cNvPr id="6" name="Image 5">
+            <a:extLst>
+              <a:ext uri="{FF2B5EF4-FFF2-40B4-BE49-F238E27FC236}">
+                <a16:creationId xmlns:a16="http://schemas.microsoft.com/office/drawing/2014/main" id="{2A90DE65-14E6-4346-9BA1-84AF18E2EE08}"/>
+              </a:ext>
+            </a:extLst>
+          </p:cNvPr>
+          <p:cNvPicPr>
+            <a:picLocks noChangeAspect="1"/>
+          </p:cNvPicPr>
+          <p:nvPr/>
+        </p:nvPicPr>
+        <p:blipFill>
+          <a:blip r:embed="rId3">
+            <a:extLst>
+              <a:ext uri="{28A0092B-C50C-407E-A947-70E740481C1C}">
+                <a14:useLocalDpi xmlns:a14="http://schemas.microsoft.com/office/drawing/2010/main" val="0"/>
+              </a:ext>
+            </a:extLst>
+          </a:blip>
+          <a:stretch>
+            <a:fillRect/>
+          </a:stretch>
+        </p:blipFill>
+        <p:spPr>
+          <a:xfrm>
             <a:off x="10603683" y="-402672"/>
             <a:ext cx="1926309" cy="1926309"/>
+          </a:xfrm>
+          <a:prstGeom prst="rect">
+            <a:avLst/>
+          </a:prstGeom>
+        </p:spPr>
+      </p:pic>
+      <p:pic>
+        <p:nvPicPr>
+          <p:cNvPr id="7" name="Image 6">
+            <a:extLst>
+              <a:ext uri="{FF2B5EF4-FFF2-40B4-BE49-F238E27FC236}">
+                <a16:creationId xmlns:a16="http://schemas.microsoft.com/office/drawing/2014/main" id="{5B7AF1FF-8508-436A-A445-2B49FD496340}"/>
+              </a:ext>
+            </a:extLst>
+          </p:cNvPr>
+          <p:cNvPicPr>
+            <a:picLocks noChangeAspect="1"/>
+          </p:cNvPicPr>
+          <p:nvPr/>
+        </p:nvPicPr>
+        <p:blipFill>
+          <a:blip r:embed="rId4">
+            <a:extLst>
+              <a:ext uri="{28A0092B-C50C-407E-A947-70E740481C1C}">
+                <a14:useLocalDpi xmlns:a14="http://schemas.microsoft.com/office/drawing/2010/main" val="0"/>
+              </a:ext>
+            </a:extLst>
+          </a:blip>
+          <a:stretch>
+            <a:fillRect/>
+          </a:stretch>
+        </p:blipFill>
+        <p:spPr>
+          <a:xfrm>
+            <a:off x="9695039" y="5998871"/>
+            <a:ext cx="2325511" cy="735304"/>
+          </a:xfrm>
+          <a:prstGeom prst="rect">
+            <a:avLst/>
+          </a:prstGeom>
+        </p:spPr>
+      </p:pic>
+      <p:cxnSp>
+        <p:nvCxnSpPr>
+          <p:cNvPr id="5" name="Connecteur droit avec flèche 4">
+            <a:extLst>
+              <a:ext uri="{FF2B5EF4-FFF2-40B4-BE49-F238E27FC236}">
+                <a16:creationId xmlns:a16="http://schemas.microsoft.com/office/drawing/2014/main" id="{97D8AAAA-58C0-4C05-98B5-F2F09F553543}"/>
+              </a:ext>
+            </a:extLst>
+          </p:cNvPr>
+          <p:cNvCxnSpPr>
+            <a:cxnSpLocks/>
+          </p:cNvCxnSpPr>
+          <p:nvPr/>
+        </p:nvCxnSpPr>
+        <p:spPr>
+          <a:xfrm>
+            <a:off x="1673864" y="2197768"/>
+            <a:ext cx="1277883" cy="0"/>
+          </a:xfrm>
+          <a:prstGeom prst="straightConnector1">
+            <a:avLst/>
+          </a:prstGeom>
+          <a:ln>
+            <a:solidFill>
+              <a:schemeClr val="tx1"/>
+            </a:solidFill>
+            <a:tailEnd type="triangle"/>
+          </a:ln>
+        </p:spPr>
+        <p:style>
+          <a:lnRef idx="1">
+            <a:schemeClr val="accent1"/>
+          </a:lnRef>
+          <a:fillRef idx="0">
+            <a:schemeClr val="accent1"/>
+          </a:fillRef>
+          <a:effectRef idx="0">
+            <a:schemeClr val="accent1"/>
+          </a:effectRef>
+          <a:fontRef idx="minor">
+            <a:schemeClr val="tx1"/>
+          </a:fontRef>
+        </p:style>
+      </p:cxnSp>
+      <p:cxnSp>
+        <p:nvCxnSpPr>
+          <p:cNvPr id="10" name="Connecteur droit avec flèche 9">
+            <a:extLst>
+              <a:ext uri="{FF2B5EF4-FFF2-40B4-BE49-F238E27FC236}">
+                <a16:creationId xmlns:a16="http://schemas.microsoft.com/office/drawing/2014/main" id="{FD38F7FB-DB65-47E9-81BD-8F1266000845}"/>
+              </a:ext>
+            </a:extLst>
+          </p:cNvPr>
+          <p:cNvCxnSpPr>
+            <a:cxnSpLocks/>
+          </p:cNvCxnSpPr>
+          <p:nvPr/>
+        </p:nvCxnSpPr>
+        <p:spPr>
+          <a:xfrm>
+            <a:off x="1085130" y="3937059"/>
+            <a:ext cx="1636611" cy="532122"/>
+          </a:xfrm>
+          <a:prstGeom prst="straightConnector1">
+            <a:avLst/>
+          </a:prstGeom>
+          <a:ln>
+            <a:solidFill>
+              <a:schemeClr val="tx1"/>
+            </a:solidFill>
+            <a:tailEnd type="triangle"/>
+          </a:ln>
+        </p:spPr>
+        <p:style>
+          <a:lnRef idx="1">
+            <a:schemeClr val="accent1"/>
+          </a:lnRef>
+          <a:fillRef idx="0">
+            <a:schemeClr val="accent1"/>
+          </a:fillRef>
+          <a:effectRef idx="0">
+            <a:schemeClr val="accent1"/>
+          </a:effectRef>
+          <a:fontRef idx="minor">
+            <a:schemeClr val="tx1"/>
+          </a:fontRef>
+        </p:style>
+      </p:cxnSp>
+      <p:cxnSp>
+        <p:nvCxnSpPr>
+          <p:cNvPr id="11" name="Connecteur droit avec flèche 10">
+            <a:extLst>
+              <a:ext uri="{FF2B5EF4-FFF2-40B4-BE49-F238E27FC236}">
+                <a16:creationId xmlns:a16="http://schemas.microsoft.com/office/drawing/2014/main" id="{8486A522-FCB0-4FB9-A8F8-B1F3CB652692}"/>
+              </a:ext>
+            </a:extLst>
+          </p:cNvPr>
+          <p:cNvCxnSpPr>
+            <a:cxnSpLocks/>
+          </p:cNvCxnSpPr>
+          <p:nvPr/>
+        </p:nvCxnSpPr>
+        <p:spPr>
+          <a:xfrm>
+            <a:off x="1085130" y="3937059"/>
+            <a:ext cx="1411760" cy="0"/>
+          </a:xfrm>
+          <a:prstGeom prst="straightConnector1">
+            <a:avLst/>
+          </a:prstGeom>
+          <a:ln>
+            <a:solidFill>
+              <a:schemeClr val="tx1"/>
+            </a:solidFill>
+            <a:tailEnd type="triangle"/>
+          </a:ln>
+        </p:spPr>
+        <p:style>
+          <a:lnRef idx="1">
+            <a:schemeClr val="accent1"/>
+          </a:lnRef>
+          <a:fillRef idx="0">
+            <a:schemeClr val="accent1"/>
+          </a:fillRef>
+          <a:effectRef idx="0">
+            <a:schemeClr val="accent1"/>
+          </a:effectRef>
+          <a:fontRef idx="minor">
+            <a:schemeClr val="tx1"/>
+          </a:fontRef>
+        </p:style>
+      </p:cxnSp>
+      <p:cxnSp>
+        <p:nvCxnSpPr>
+          <p:cNvPr id="12" name="Connecteur droit avec flèche 11">
+            <a:extLst>
+              <a:ext uri="{FF2B5EF4-FFF2-40B4-BE49-F238E27FC236}">
+                <a16:creationId xmlns:a16="http://schemas.microsoft.com/office/drawing/2014/main" id="{17B480CA-AA39-4912-9731-5FCA18C7771C}"/>
+              </a:ext>
+            </a:extLst>
+          </p:cNvPr>
+          <p:cNvCxnSpPr>
+            <a:cxnSpLocks/>
+          </p:cNvCxnSpPr>
+          <p:nvPr/>
+        </p:nvCxnSpPr>
+        <p:spPr>
+          <a:xfrm flipV="1">
+            <a:off x="1085130" y="3429001"/>
+            <a:ext cx="1652971" cy="508058"/>
+          </a:xfrm>
+          <a:prstGeom prst="straightConnector1">
+            <a:avLst/>
+          </a:prstGeom>
+          <a:ln>
+            <a:solidFill>
+              <a:schemeClr val="tx1"/>
+            </a:solidFill>
+            <a:tailEnd type="triangle"/>
+          </a:ln>
+        </p:spPr>
+        <p:style>
+          <a:lnRef idx="1">
+            <a:schemeClr val="accent1"/>
+          </a:lnRef>
+          <a:fillRef idx="0">
+            <a:schemeClr val="accent1"/>
+          </a:fillRef>
+          <a:effectRef idx="0">
+            <a:schemeClr val="accent1"/>
+          </a:effectRef>
+          <a:fontRef idx="minor">
+            <a:schemeClr val="tx1"/>
+          </a:fontRef>
+        </p:style>
+      </p:cxnSp>
+      <p:cxnSp>
+        <p:nvCxnSpPr>
+          <p:cNvPr id="17" name="Connecteur droit avec flèche 16">
+            <a:extLst>
+              <a:ext uri="{FF2B5EF4-FFF2-40B4-BE49-F238E27FC236}">
+                <a16:creationId xmlns:a16="http://schemas.microsoft.com/office/drawing/2014/main" id="{C3CDBAEB-FB77-48BF-8BB2-79A44D4D8ADD}"/>
+              </a:ext>
+            </a:extLst>
+          </p:cNvPr>
+          <p:cNvCxnSpPr>
+            <a:cxnSpLocks/>
+          </p:cNvCxnSpPr>
+          <p:nvPr/>
+        </p:nvCxnSpPr>
+        <p:spPr>
+          <a:xfrm flipH="1">
+            <a:off x="8826691" y="1941623"/>
+            <a:ext cx="1586855" cy="0"/>
+          </a:xfrm>
+          <a:prstGeom prst="straightConnector1">
+            <a:avLst/>
+          </a:prstGeom>
+          <a:ln>
+            <a:solidFill>
+              <a:schemeClr val="tx1"/>
+            </a:solidFill>
+            <a:tailEnd type="triangle"/>
+          </a:ln>
+        </p:spPr>
+        <p:style>
+          <a:lnRef idx="1">
+            <a:schemeClr val="accent1"/>
+          </a:lnRef>
+          <a:fillRef idx="0">
+            <a:schemeClr val="accent1"/>
+          </a:fillRef>
+          <a:effectRef idx="0">
+            <a:schemeClr val="accent1"/>
+          </a:effectRef>
+          <a:fontRef idx="minor">
+            <a:schemeClr val="tx1"/>
+          </a:fontRef>
+        </p:style>
+      </p:cxnSp>
+      <p:cxnSp>
+        <p:nvCxnSpPr>
+          <p:cNvPr id="19" name="Connecteur droit avec flèche 18">
+            <a:extLst>
+              <a:ext uri="{FF2B5EF4-FFF2-40B4-BE49-F238E27FC236}">
+                <a16:creationId xmlns:a16="http://schemas.microsoft.com/office/drawing/2014/main" id="{015D008D-F272-4C59-9411-9F01B1A05D13}"/>
+              </a:ext>
+            </a:extLst>
+          </p:cNvPr>
+          <p:cNvCxnSpPr>
+            <a:cxnSpLocks/>
+          </p:cNvCxnSpPr>
+          <p:nvPr/>
+        </p:nvCxnSpPr>
+        <p:spPr>
+          <a:xfrm flipH="1">
+            <a:off x="9969298" y="3937059"/>
+            <a:ext cx="634385" cy="0"/>
+          </a:xfrm>
+          <a:prstGeom prst="straightConnector1">
+            <a:avLst/>
+          </a:prstGeom>
+          <a:ln>
+            <a:solidFill>
+              <a:schemeClr val="tx1"/>
+            </a:solidFill>
+            <a:tailEnd type="triangle"/>
+          </a:ln>
+        </p:spPr>
+        <p:style>
+          <a:lnRef idx="1">
+            <a:schemeClr val="accent1"/>
+          </a:lnRef>
+          <a:fillRef idx="0">
+            <a:schemeClr val="accent1"/>
+          </a:fillRef>
+          <a:effectRef idx="0">
+            <a:schemeClr val="accent1"/>
+          </a:effectRef>
+          <a:fontRef idx="minor">
+            <a:schemeClr val="tx1"/>
+          </a:fontRef>
+        </p:style>
+      </p:cxnSp>
+      <p:cxnSp>
+        <p:nvCxnSpPr>
+          <p:cNvPr id="21" name="Connecteur droit avec flèche 20">
+            <a:extLst>
+              <a:ext uri="{FF2B5EF4-FFF2-40B4-BE49-F238E27FC236}">
+                <a16:creationId xmlns:a16="http://schemas.microsoft.com/office/drawing/2014/main" id="{DF650F75-83C0-44A1-B919-311F45333B13}"/>
+              </a:ext>
+            </a:extLst>
+          </p:cNvPr>
+          <p:cNvCxnSpPr>
+            <a:cxnSpLocks/>
+          </p:cNvCxnSpPr>
+          <p:nvPr/>
+        </p:nvCxnSpPr>
+        <p:spPr>
+          <a:xfrm flipH="1">
+            <a:off x="9969298" y="5238276"/>
+            <a:ext cx="634385" cy="0"/>
+          </a:xfrm>
+          <a:prstGeom prst="straightConnector1">
+            <a:avLst/>
+          </a:prstGeom>
+          <a:ln>
+            <a:solidFill>
+              <a:schemeClr val="tx1"/>
+            </a:solidFill>
+            <a:tailEnd type="triangle"/>
+          </a:ln>
+        </p:spPr>
+        <p:style>
+          <a:lnRef idx="1">
+            <a:schemeClr val="accent1"/>
+          </a:lnRef>
+          <a:fillRef idx="0">
+            <a:schemeClr val="accent1"/>
+          </a:fillRef>
+          <a:effectRef idx="0">
+            <a:schemeClr val="accent1"/>
+          </a:effectRef>
+          <a:fontRef idx="minor">
+            <a:schemeClr val="tx1"/>
+          </a:fontRef>
+        </p:style>
+      </p:cxnSp>
+      <p:sp>
+        <p:nvSpPr>
+          <p:cNvPr id="24" name="ZoneTexte 23">
+            <a:extLst>
+              <a:ext uri="{FF2B5EF4-FFF2-40B4-BE49-F238E27FC236}">
+                <a16:creationId xmlns:a16="http://schemas.microsoft.com/office/drawing/2014/main" id="{2861B4FB-FCCD-4672-A6EA-314840A90534}"/>
+              </a:ext>
+            </a:extLst>
+          </p:cNvPr>
+          <p:cNvSpPr txBox="1"/>
+          <p:nvPr/>
+        </p:nvSpPr>
+        <p:spPr>
+          <a:xfrm>
+            <a:off x="401053" y="1941623"/>
+            <a:ext cx="1187264" cy="369332"/>
+          </a:xfrm>
+          <a:prstGeom prst="rect">
+            <a:avLst/>
+          </a:prstGeom>
+          <a:noFill/>
+        </p:spPr>
+        <p:txBody>
+          <a:bodyPr wrap="square" rtlCol="0">
+            <a:spAutoFit/>
+          </a:bodyPr>
+          <a:lstStyle/>
+          <a:p>
+            <a:r>
+              <a:rPr lang="fr-FR" dirty="0"/>
+              <a:t>Logo</a:t>
+            </a:r>
+          </a:p>
+        </p:txBody>
+      </p:sp>
+      <p:sp>
+        <p:nvSpPr>
+          <p:cNvPr id="25" name="ZoneTexte 24">
+            <a:extLst>
+              <a:ext uri="{FF2B5EF4-FFF2-40B4-BE49-F238E27FC236}">
+                <a16:creationId xmlns:a16="http://schemas.microsoft.com/office/drawing/2014/main" id="{0BCBBF3A-B6C5-4BEA-844C-6F08D26F2A8B}"/>
+              </a:ext>
+            </a:extLst>
+          </p:cNvPr>
+          <p:cNvSpPr txBox="1"/>
+          <p:nvPr/>
+        </p:nvSpPr>
+        <p:spPr>
+          <a:xfrm>
+            <a:off x="122595" y="3441031"/>
+            <a:ext cx="1588317" cy="923330"/>
+          </a:xfrm>
+          <a:prstGeom prst="rect">
+            <a:avLst/>
+          </a:prstGeom>
+          <a:noFill/>
+        </p:spPr>
+        <p:txBody>
+          <a:bodyPr wrap="square" rtlCol="0">
+            <a:spAutoFit/>
+          </a:bodyPr>
+          <a:lstStyle/>
+          <a:p>
+            <a:r>
+              <a:rPr lang="fr-FR" dirty="0"/>
+              <a:t>Menu avec accès rapide </a:t>
+            </a:r>
+          </a:p>
+        </p:txBody>
+      </p:sp>
+      <p:sp>
+        <p:nvSpPr>
+          <p:cNvPr id="26" name="ZoneTexte 25">
+            <a:extLst>
+              <a:ext uri="{FF2B5EF4-FFF2-40B4-BE49-F238E27FC236}">
+                <a16:creationId xmlns:a16="http://schemas.microsoft.com/office/drawing/2014/main" id="{FA661B41-E0F0-4A58-81CC-83280D1E577D}"/>
+              </a:ext>
+            </a:extLst>
+          </p:cNvPr>
+          <p:cNvSpPr txBox="1"/>
+          <p:nvPr/>
+        </p:nvSpPr>
+        <p:spPr>
+          <a:xfrm>
+            <a:off x="10518136" y="1417122"/>
+            <a:ext cx="1502414" cy="1200329"/>
+          </a:xfrm>
+          <a:prstGeom prst="rect">
+            <a:avLst/>
+          </a:prstGeom>
+          <a:noFill/>
+        </p:spPr>
+        <p:txBody>
+          <a:bodyPr wrap="square" rtlCol="0">
+            <a:spAutoFit/>
+          </a:bodyPr>
+          <a:lstStyle/>
+          <a:p>
+            <a:r>
+              <a:rPr lang="fr-FR" dirty="0"/>
+              <a:t>Mesure instantanée en fonction du vent</a:t>
+            </a:r>
+          </a:p>
+        </p:txBody>
+      </p:sp>
+      <p:sp>
+        <p:nvSpPr>
+          <p:cNvPr id="28" name="ZoneTexte 27">
+            <a:extLst>
+              <a:ext uri="{FF2B5EF4-FFF2-40B4-BE49-F238E27FC236}">
+                <a16:creationId xmlns:a16="http://schemas.microsoft.com/office/drawing/2014/main" id="{0482C336-7DCA-4619-A3D5-40AF72A8C4A7}"/>
+              </a:ext>
+            </a:extLst>
+          </p:cNvPr>
+          <p:cNvSpPr txBox="1"/>
+          <p:nvPr/>
+        </p:nvSpPr>
+        <p:spPr>
+          <a:xfrm>
+            <a:off x="10651379" y="3457002"/>
+            <a:ext cx="1409769" cy="923330"/>
+          </a:xfrm>
+          <a:prstGeom prst="rect">
+            <a:avLst/>
+          </a:prstGeom>
+          <a:noFill/>
+        </p:spPr>
+        <p:txBody>
+          <a:bodyPr wrap="square" rtlCol="0">
+            <a:spAutoFit/>
+          </a:bodyPr>
+          <a:lstStyle/>
+          <a:p>
+            <a:r>
+              <a:rPr lang="fr-FR" dirty="0"/>
+              <a:t>Lien vers la page de l’historique</a:t>
+            </a:r>
+          </a:p>
+        </p:txBody>
+      </p:sp>
+      <p:sp>
+        <p:nvSpPr>
+          <p:cNvPr id="29" name="ZoneTexte 28">
+            <a:extLst>
+              <a:ext uri="{FF2B5EF4-FFF2-40B4-BE49-F238E27FC236}">
+                <a16:creationId xmlns:a16="http://schemas.microsoft.com/office/drawing/2014/main" id="{BC968235-B680-4292-B33E-6545AD4427C2}"/>
+              </a:ext>
+            </a:extLst>
+          </p:cNvPr>
+          <p:cNvSpPr txBox="1"/>
+          <p:nvPr/>
+        </p:nvSpPr>
+        <p:spPr>
+          <a:xfrm>
+            <a:off x="10675206" y="4692424"/>
+            <a:ext cx="1324223" cy="1200329"/>
+          </a:xfrm>
+          <a:prstGeom prst="rect">
+            <a:avLst/>
+          </a:prstGeom>
+          <a:noFill/>
+        </p:spPr>
+        <p:txBody>
+          <a:bodyPr wrap="square" rtlCol="0">
+            <a:spAutoFit/>
+          </a:bodyPr>
+          <a:lstStyle/>
+          <a:p>
+            <a:r>
+              <a:rPr lang="fr-FR" dirty="0"/>
+              <a:t>Lien vers la page des alertes</a:t>
+            </a:r>
+          </a:p>
+        </p:txBody>
+      </p:sp>
+      <p:cxnSp>
+        <p:nvCxnSpPr>
+          <p:cNvPr id="32" name="Connecteur droit avec flèche 31">
+            <a:extLst>
+              <a:ext uri="{FF2B5EF4-FFF2-40B4-BE49-F238E27FC236}">
+                <a16:creationId xmlns:a16="http://schemas.microsoft.com/office/drawing/2014/main" id="{5F30680C-6B0A-473D-877E-1C72CB70C391}"/>
+              </a:ext>
+            </a:extLst>
+          </p:cNvPr>
+          <p:cNvCxnSpPr>
+            <a:cxnSpLocks/>
+          </p:cNvCxnSpPr>
+          <p:nvPr/>
+        </p:nvCxnSpPr>
+        <p:spPr>
+          <a:xfrm flipV="1">
+            <a:off x="4924926" y="3339877"/>
+            <a:ext cx="577984" cy="2552876"/>
+          </a:xfrm>
+          <a:prstGeom prst="straightConnector1">
+            <a:avLst/>
+          </a:prstGeom>
+          <a:ln>
+            <a:solidFill>
+              <a:schemeClr val="tx1"/>
+            </a:solidFill>
+            <a:tailEnd type="triangle"/>
+          </a:ln>
+        </p:spPr>
+        <p:style>
+          <a:lnRef idx="1">
+            <a:schemeClr val="accent1"/>
+          </a:lnRef>
+          <a:fillRef idx="0">
+            <a:schemeClr val="accent1"/>
+          </a:fillRef>
+          <a:effectRef idx="0">
+            <a:schemeClr val="accent1"/>
+          </a:effectRef>
+          <a:fontRef idx="minor">
+            <a:schemeClr val="tx1"/>
+          </a:fontRef>
+        </p:style>
+      </p:cxnSp>
+      <p:sp>
+        <p:nvSpPr>
+          <p:cNvPr id="34" name="ZoneTexte 33">
+            <a:extLst>
+              <a:ext uri="{FF2B5EF4-FFF2-40B4-BE49-F238E27FC236}">
+                <a16:creationId xmlns:a16="http://schemas.microsoft.com/office/drawing/2014/main" id="{E9B68B95-EF69-4CE0-978C-D9BA073B0D4F}"/>
+              </a:ext>
+            </a:extLst>
+          </p:cNvPr>
+          <p:cNvSpPr txBox="1"/>
+          <p:nvPr/>
+        </p:nvSpPr>
+        <p:spPr>
+          <a:xfrm>
+            <a:off x="4011449" y="5907919"/>
+            <a:ext cx="1826953" cy="646331"/>
+          </a:xfrm>
+          <a:prstGeom prst="rect">
+            <a:avLst/>
+          </a:prstGeom>
+          <a:noFill/>
+        </p:spPr>
+        <p:txBody>
+          <a:bodyPr wrap="square" rtlCol="0">
+            <a:spAutoFit/>
+          </a:bodyPr>
+          <a:lstStyle/>
+          <a:p>
+            <a:r>
+              <a:rPr lang="fr-FR" dirty="0"/>
+              <a:t>Force du vent instantanées</a:t>
+            </a:r>
+          </a:p>
+        </p:txBody>
+      </p:sp>
+      <p:cxnSp>
+        <p:nvCxnSpPr>
+          <p:cNvPr id="37" name="Connecteur droit avec flèche 36">
+            <a:extLst>
+              <a:ext uri="{FF2B5EF4-FFF2-40B4-BE49-F238E27FC236}">
+                <a16:creationId xmlns:a16="http://schemas.microsoft.com/office/drawing/2014/main" id="{A975A884-EC12-49F6-9564-9462471D94B6}"/>
+              </a:ext>
+            </a:extLst>
+          </p:cNvPr>
+          <p:cNvCxnSpPr>
+            <a:cxnSpLocks/>
+          </p:cNvCxnSpPr>
+          <p:nvPr/>
+        </p:nvCxnSpPr>
+        <p:spPr>
+          <a:xfrm flipH="1" flipV="1">
+            <a:off x="6454472" y="4865455"/>
+            <a:ext cx="277946" cy="1133416"/>
+          </a:xfrm>
+          <a:prstGeom prst="straightConnector1">
+            <a:avLst/>
+          </a:prstGeom>
+          <a:ln>
+            <a:solidFill>
+              <a:schemeClr val="tx1"/>
+            </a:solidFill>
+            <a:tailEnd type="triangle"/>
+          </a:ln>
+        </p:spPr>
+        <p:style>
+          <a:lnRef idx="1">
+            <a:schemeClr val="accent1"/>
+          </a:lnRef>
+          <a:fillRef idx="0">
+            <a:schemeClr val="accent1"/>
+          </a:fillRef>
+          <a:effectRef idx="0">
+            <a:schemeClr val="accent1"/>
+          </a:effectRef>
+          <a:fontRef idx="minor">
+            <a:schemeClr val="tx1"/>
+          </a:fontRef>
+        </p:style>
+      </p:cxnSp>
+      <p:sp>
+        <p:nvSpPr>
+          <p:cNvPr id="40" name="ZoneTexte 39">
+            <a:extLst>
+              <a:ext uri="{FF2B5EF4-FFF2-40B4-BE49-F238E27FC236}">
+                <a16:creationId xmlns:a16="http://schemas.microsoft.com/office/drawing/2014/main" id="{0D497864-9030-4CD0-9D26-9B152912362F}"/>
+              </a:ext>
+            </a:extLst>
+          </p:cNvPr>
+          <p:cNvSpPr txBox="1"/>
+          <p:nvPr/>
+        </p:nvSpPr>
+        <p:spPr>
+          <a:xfrm>
+            <a:off x="6408187" y="6046418"/>
+            <a:ext cx="1826952" cy="646331"/>
+          </a:xfrm>
+          <a:prstGeom prst="rect">
+            <a:avLst/>
+          </a:prstGeom>
+          <a:noFill/>
+        </p:spPr>
+        <p:txBody>
+          <a:bodyPr wrap="square" rtlCol="0">
+            <a:spAutoFit/>
+          </a:bodyPr>
+          <a:lstStyle/>
+          <a:p>
+            <a:r>
+              <a:rPr lang="fr-FR" dirty="0"/>
+              <a:t>Mesures instantanées</a:t>
+            </a:r>
+          </a:p>
+        </p:txBody>
+      </p:sp>
+    </p:spTree>
+    <p:extLst>
+      <p:ext uri="{BB962C8B-B14F-4D97-AF65-F5344CB8AC3E}">
+        <p14:creationId xmlns:p14="http://schemas.microsoft.com/office/powerpoint/2010/main" val="4053612546"/>
+      </p:ext>
+    </p:extLst>
+  </p:cSld>
+  <p:clrMapOvr>
+    <a:masterClrMapping/>
+  </p:clrMapOvr>
+  <mc:AlternateContent xmlns:mc="http://schemas.openxmlformats.org/markup-compatibility/2006">
+    <mc:Choice xmlns:p159="http://schemas.microsoft.com/office/powerpoint/2015/09/main" Requires="p159">
+      <p:transition xmlns:p14="http://schemas.microsoft.com/office/powerpoint/2010/main" spd="slow" p14:dur="2000">
+        <p159:morph option="byObject"/>
+      </p:transition>
+    </mc:Choice>
+    <mc:Fallback>
+      <p:transition spd="slow">
+        <p:fade/>
+      </p:transition>
+    </mc:Fallback>
+  </mc:AlternateContent>
+</p:sld>
+</file>
+
+<file path=ppt/slides/slide14.xml><?xml version="1.0" encoding="utf-8"?>
+<p:sld xmlns:a="http://schemas.openxmlformats.org/drawingml/2006/main" xmlns:r="http://schemas.openxmlformats.org/officeDocument/2006/relationships" xmlns:p="http://schemas.openxmlformats.org/presentationml/2006/main">
+  <p:cSld>
+    <p:spTree>
+      <p:nvGrpSpPr>
+        <p:cNvPr id="1" name=""/>
+        <p:cNvGrpSpPr/>
+        <p:nvPr/>
+      </p:nvGrpSpPr>
+      <p:grpSpPr>
+        <a:xfrm>
+          <a:off x="0" y="0"/>
+          <a:ext cx="0" cy="0"/>
+          <a:chOff x="0" y="0"/>
+          <a:chExt cx="0" cy="0"/>
+        </a:xfrm>
+      </p:grpSpPr>
+      <p:sp>
+        <p:nvSpPr>
+          <p:cNvPr id="2" name="Titre 1">
+            <a:extLst>
+              <a:ext uri="{FF2B5EF4-FFF2-40B4-BE49-F238E27FC236}">
+                <a16:creationId xmlns:a16="http://schemas.microsoft.com/office/drawing/2014/main" id="{D65EAFD1-9A00-44D3-A628-BC2B0612241B}"/>
+              </a:ext>
+            </a:extLst>
+          </p:cNvPr>
+          <p:cNvSpPr>
+            <a:spLocks noGrp="1"/>
+          </p:cNvSpPr>
+          <p:nvPr>
+            <p:ph type="title"/>
+          </p:nvPr>
+        </p:nvSpPr>
+        <p:spPr/>
+        <p:txBody>
+          <a:bodyPr/>
+          <a:lstStyle/>
+          <a:p>
+            <a:r>
+              <a:rPr lang="fr-FR" dirty="0"/>
+              <a:t>Page d’historique des relevés</a:t>
+            </a:r>
+          </a:p>
+        </p:txBody>
+      </p:sp>
+      <p:pic>
+        <p:nvPicPr>
+          <p:cNvPr id="4" name="Image 3">
+            <a:extLst>
+              <a:ext uri="{FF2B5EF4-FFF2-40B4-BE49-F238E27FC236}">
+                <a16:creationId xmlns:a16="http://schemas.microsoft.com/office/drawing/2014/main" id="{74A56BB0-DACA-4780-9DDF-C1A85943FFF1}"/>
+              </a:ext>
+            </a:extLst>
+          </p:cNvPr>
+          <p:cNvPicPr/>
+          <p:nvPr/>
+        </p:nvPicPr>
+        <p:blipFill>
+          <a:blip r:embed="rId2">
+            <a:extLst>
+              <a:ext uri="{28A0092B-C50C-407E-A947-70E740481C1C}">
+                <a14:useLocalDpi xmlns:a14="http://schemas.microsoft.com/office/drawing/2010/main" val="0"/>
+              </a:ext>
+            </a:extLst>
+          </a:blip>
+          <a:stretch>
+            <a:fillRect/>
+          </a:stretch>
+        </p:blipFill>
+        <p:spPr>
+          <a:xfrm>
+            <a:off x="334962" y="3584138"/>
+            <a:ext cx="5759450" cy="3005455"/>
+          </a:xfrm>
+          <a:prstGeom prst="rect">
+            <a:avLst/>
+          </a:prstGeom>
+        </p:spPr>
+      </p:pic>
+      <p:pic>
+        <p:nvPicPr>
+          <p:cNvPr id="6" name="Image 5">
+            <a:extLst>
+              <a:ext uri="{FF2B5EF4-FFF2-40B4-BE49-F238E27FC236}">
+                <a16:creationId xmlns:a16="http://schemas.microsoft.com/office/drawing/2014/main" id="{BE7D8066-FD29-4738-A8CE-13043CF37C55}"/>
+              </a:ext>
+            </a:extLst>
+          </p:cNvPr>
+          <p:cNvPicPr>
+            <a:picLocks noChangeAspect="1"/>
+          </p:cNvPicPr>
+          <p:nvPr/>
+        </p:nvPicPr>
+        <p:blipFill>
+          <a:blip r:embed="rId3">
+            <a:extLst>
+              <a:ext uri="{28A0092B-C50C-407E-A947-70E740481C1C}">
+                <a14:useLocalDpi xmlns:a14="http://schemas.microsoft.com/office/drawing/2010/main" val="0"/>
+              </a:ext>
+            </a:extLst>
+          </a:blip>
+          <a:stretch>
+            <a:fillRect/>
+          </a:stretch>
+        </p:blipFill>
+        <p:spPr>
+          <a:xfrm>
+            <a:off x="10603683" y="-402672"/>
+            <a:ext cx="1926309" cy="1926309"/>
+          </a:xfrm>
+          <a:prstGeom prst="rect">
+            <a:avLst/>
+          </a:prstGeom>
+        </p:spPr>
+      </p:pic>
+      <p:pic>
+        <p:nvPicPr>
+          <p:cNvPr id="7" name="Image 6">
+            <a:extLst>
+              <a:ext uri="{FF2B5EF4-FFF2-40B4-BE49-F238E27FC236}">
+                <a16:creationId xmlns:a16="http://schemas.microsoft.com/office/drawing/2014/main" id="{EA7B97D9-B5F1-4151-B394-5D867F9F16A2}"/>
+              </a:ext>
+            </a:extLst>
+          </p:cNvPr>
+          <p:cNvPicPr>
+            <a:picLocks noChangeAspect="1"/>
+          </p:cNvPicPr>
+          <p:nvPr/>
+        </p:nvPicPr>
+        <p:blipFill>
+          <a:blip r:embed="rId4">
+            <a:extLst>
+              <a:ext uri="{28A0092B-C50C-407E-A947-70E740481C1C}">
+                <a14:useLocalDpi xmlns:a14="http://schemas.microsoft.com/office/drawing/2010/main" val="0"/>
+              </a:ext>
+            </a:extLst>
+          </a:blip>
+          <a:stretch>
+            <a:fillRect/>
+          </a:stretch>
+        </p:blipFill>
+        <p:spPr>
+          <a:xfrm>
+            <a:off x="9695039" y="5998871"/>
+            <a:ext cx="2325511" cy="735304"/>
           </a:xfrm>
           <a:prstGeom prst="rect">
             <a:avLst/>
@@ -6405,6 +7609,144 @@
     <p:extLst>
       <p:ext uri="{BB962C8B-B14F-4D97-AF65-F5344CB8AC3E}">
         <p14:creationId xmlns:p14="http://schemas.microsoft.com/office/powerpoint/2010/main" val="4242231892"/>
+      </p:ext>
+    </p:extLst>
+  </p:cSld>
+  <p:clrMapOvr>
+    <a:masterClrMapping/>
+  </p:clrMapOvr>
+</p:sld>
+</file>
+
+<file path=ppt/slides/slide15.xml><?xml version="1.0" encoding="utf-8"?>
+<p:sld xmlns:a="http://schemas.openxmlformats.org/drawingml/2006/main" xmlns:r="http://schemas.openxmlformats.org/officeDocument/2006/relationships" xmlns:p="http://schemas.openxmlformats.org/presentationml/2006/main">
+  <p:cSld>
+    <p:spTree>
+      <p:nvGrpSpPr>
+        <p:cNvPr id="1" name=""/>
+        <p:cNvGrpSpPr/>
+        <p:nvPr/>
+      </p:nvGrpSpPr>
+      <p:grpSpPr>
+        <a:xfrm>
+          <a:off x="0" y="0"/>
+          <a:ext cx="0" cy="0"/>
+          <a:chOff x="0" y="0"/>
+          <a:chExt cx="0" cy="0"/>
+        </a:xfrm>
+      </p:grpSpPr>
+      <p:sp>
+        <p:nvSpPr>
+          <p:cNvPr id="4" name="ZoneTexte 3">
+            <a:extLst>
+              <a:ext uri="{FF2B5EF4-FFF2-40B4-BE49-F238E27FC236}">
+                <a16:creationId xmlns:a16="http://schemas.microsoft.com/office/drawing/2014/main" id="{381997E2-619F-4CFE-A852-ABBD61A2A602}"/>
+              </a:ext>
+            </a:extLst>
+          </p:cNvPr>
+          <p:cNvSpPr txBox="1"/>
+          <p:nvPr/>
+        </p:nvSpPr>
+        <p:spPr>
+          <a:xfrm>
+            <a:off x="643095" y="383714"/>
+            <a:ext cx="10902461" cy="1670554"/>
+          </a:xfrm>
+          <a:prstGeom prst="rect">
+            <a:avLst/>
+          </a:prstGeom>
+          <a:noFill/>
+        </p:spPr>
+        <p:txBody>
+          <a:bodyPr wrap="square" rtlCol="0">
+            <a:noAutofit/>
+          </a:bodyPr>
+          <a:lstStyle/>
+          <a:p>
+            <a:pPr lvl="0" algn="ctr"/>
+            <a:r>
+              <a:rPr lang="fr-FR" sz="3600" dirty="0"/>
+              <a:t>Communication de groupe</a:t>
+            </a:r>
+          </a:p>
+        </p:txBody>
+      </p:sp>
+      <p:pic>
+        <p:nvPicPr>
+          <p:cNvPr id="5" name="Image 4">
+            <a:extLst>
+              <a:ext uri="{FF2B5EF4-FFF2-40B4-BE49-F238E27FC236}">
+                <a16:creationId xmlns:a16="http://schemas.microsoft.com/office/drawing/2014/main" id="{886E952B-03E5-4009-BB94-78891AAD5015}"/>
+              </a:ext>
+            </a:extLst>
+          </p:cNvPr>
+          <p:cNvPicPr>
+            <a:picLocks noChangeAspect="1"/>
+          </p:cNvPicPr>
+          <p:nvPr/>
+        </p:nvPicPr>
+        <p:blipFill>
+          <a:blip r:embed="rId2">
+            <a:extLst>
+              <a:ext uri="{28A0092B-C50C-407E-A947-70E740481C1C}">
+                <a14:useLocalDpi xmlns:a14="http://schemas.microsoft.com/office/drawing/2010/main" val="0"/>
+              </a:ext>
+            </a:extLst>
+          </a:blip>
+          <a:stretch>
+            <a:fillRect/>
+          </a:stretch>
+        </p:blipFill>
+        <p:spPr>
+          <a:xfrm>
+            <a:off x="9695039" y="5998871"/>
+            <a:ext cx="2325511" cy="735304"/>
+          </a:xfrm>
+          <a:prstGeom prst="rect">
+            <a:avLst/>
+          </a:prstGeom>
+        </p:spPr>
+      </p:pic>
+      <p:pic>
+        <p:nvPicPr>
+          <p:cNvPr id="6" name="Image 5">
+            <a:extLst>
+              <a:ext uri="{FF2B5EF4-FFF2-40B4-BE49-F238E27FC236}">
+                <a16:creationId xmlns:a16="http://schemas.microsoft.com/office/drawing/2014/main" id="{3BE18E97-A2F7-404F-A8C4-232EFEC8B1B4}"/>
+              </a:ext>
+            </a:extLst>
+          </p:cNvPr>
+          <p:cNvPicPr>
+            <a:picLocks noChangeAspect="1"/>
+          </p:cNvPicPr>
+          <p:nvPr/>
+        </p:nvPicPr>
+        <p:blipFill>
+          <a:blip r:embed="rId3">
+            <a:extLst>
+              <a:ext uri="{28A0092B-C50C-407E-A947-70E740481C1C}">
+                <a14:useLocalDpi xmlns:a14="http://schemas.microsoft.com/office/drawing/2010/main" val="0"/>
+              </a:ext>
+            </a:extLst>
+          </a:blip>
+          <a:stretch>
+            <a:fillRect/>
+          </a:stretch>
+        </p:blipFill>
+        <p:spPr>
+          <a:xfrm>
+            <a:off x="10603683" y="-402672"/>
+            <a:ext cx="1926309" cy="1926309"/>
+          </a:xfrm>
+          <a:prstGeom prst="rect">
+            <a:avLst/>
+          </a:prstGeom>
+        </p:spPr>
+      </p:pic>
+    </p:spTree>
+    <p:extLst>
+      <p:ext uri="{BB962C8B-B14F-4D97-AF65-F5344CB8AC3E}">
+        <p14:creationId xmlns:p14="http://schemas.microsoft.com/office/powerpoint/2010/main" val="2649277978"/>
       </p:ext>
     </p:extLst>
   </p:cSld>
@@ -6433,10 +7775,10 @@
       </p:grpSpPr>
       <p:pic>
         <p:nvPicPr>
-          <p:cNvPr id="6" name="Image 5">
+          <p:cNvPr id="13" name="Image 12">
             <a:extLst>
               <a:ext uri="{FF2B5EF4-FFF2-40B4-BE49-F238E27FC236}">
-                <a16:creationId xmlns:a16="http://schemas.microsoft.com/office/drawing/2014/main" id="{F03CEA8B-2056-4FED-A6A0-20A9EFF96191}"/>
+                <a16:creationId xmlns:a16="http://schemas.microsoft.com/office/drawing/2014/main" id="{0112FF97-4FC0-466B-A06B-209A538D68BC}"/>
               </a:ext>
             </a:extLst>
           </p:cNvPr>
@@ -6459,20 +7801,122 @@
         </p:blipFill>
         <p:spPr>
           <a:xfrm>
-            <a:off x="9866489" y="6122696"/>
-            <a:ext cx="2325511" cy="735304"/>
+            <a:off x="10603683" y="-402672"/>
+            <a:ext cx="1926309" cy="1926309"/>
           </a:xfrm>
           <a:prstGeom prst="rect">
             <a:avLst/>
           </a:prstGeom>
         </p:spPr>
       </p:pic>
+      <p:sp>
+        <p:nvSpPr>
+          <p:cNvPr id="14" name="Titre 6">
+            <a:extLst>
+              <a:ext uri="{FF2B5EF4-FFF2-40B4-BE49-F238E27FC236}">
+                <a16:creationId xmlns:a16="http://schemas.microsoft.com/office/drawing/2014/main" id="{F72639EA-6DDA-4084-88F8-7C5E8BF13E9B}"/>
+              </a:ext>
+            </a:extLst>
+          </p:cNvPr>
+          <p:cNvSpPr>
+            <a:spLocks noGrp="1"/>
+          </p:cNvSpPr>
+          <p:nvPr>
+            <p:ph type="title"/>
+          </p:nvPr>
+        </p:nvSpPr>
+        <p:spPr>
+          <a:xfrm>
+            <a:off x="1622022" y="254550"/>
+            <a:ext cx="8544087" cy="6164611"/>
+          </a:xfrm>
+        </p:spPr>
+        <p:txBody>
+          <a:bodyPr anchor="t" anchorCtr="0">
+            <a:noAutofit/>
+          </a:bodyPr>
+          <a:lstStyle/>
+          <a:p>
+            <a:pPr algn="ctr"/>
+            <a:r>
+              <a:rPr lang="fr-FR" dirty="0"/>
+              <a:t>Sommaire</a:t>
+            </a:r>
+            <a:br>
+              <a:rPr lang="fr-FR" dirty="0"/>
+            </a:br>
+            <a:br>
+              <a:rPr lang="fr-FR" dirty="0"/>
+            </a:br>
+            <a:r>
+              <a:rPr lang="fr-FR" sz="1800" dirty="0" err="1">
+                <a:effectLst/>
+              </a:rPr>
+              <a:t>recap</a:t>
+            </a:r>
+            <a:r>
+              <a:rPr lang="fr-FR" sz="1800" dirty="0">
+                <a:effectLst/>
+              </a:rPr>
+              <a:t> du projet</a:t>
+            </a:r>
+            <a:br>
+              <a:rPr lang="fr-FR" sz="1800" dirty="0">
+                <a:effectLst/>
+              </a:rPr>
+            </a:br>
+            <a:r>
+              <a:rPr lang="fr-FR" sz="1800" dirty="0" err="1">
+                <a:effectLst/>
+              </a:rPr>
+              <a:t>gantt</a:t>
+            </a:r>
+            <a:br>
+              <a:rPr lang="fr-FR" sz="1800" dirty="0">
+                <a:effectLst/>
+              </a:rPr>
+            </a:br>
+            <a:r>
+              <a:rPr lang="fr-FR" sz="1800" dirty="0">
+                <a:effectLst/>
+              </a:rPr>
+              <a:t>diagramme</a:t>
+            </a:r>
+            <a:br>
+              <a:rPr lang="fr-FR" sz="1800" dirty="0">
+                <a:effectLst/>
+              </a:rPr>
+            </a:br>
+            <a:r>
+              <a:rPr lang="fr-FR" sz="1800" dirty="0">
+                <a:effectLst/>
+              </a:rPr>
+              <a:t>mes taches</a:t>
+            </a:r>
+            <a:br>
+              <a:rPr lang="fr-FR" sz="1800" dirty="0">
+                <a:effectLst/>
+              </a:rPr>
+            </a:br>
+            <a:r>
+              <a:rPr lang="fr-FR" sz="1800" dirty="0">
+                <a:effectLst/>
+              </a:rPr>
+              <a:t>communication</a:t>
+            </a:r>
+            <a:br>
+              <a:rPr lang="fr-FR" dirty="0"/>
+            </a:br>
+            <a:endParaRPr lang="fr-FR" dirty="0"/>
+          </a:p>
+        </p:txBody>
+      </p:sp>
       <p:pic>
         <p:nvPicPr>
-          <p:cNvPr id="13" name="Image 12">
+          <p:cNvPr id="5" name="Image 4">
             <a:extLst>
               <a:ext uri="{FF2B5EF4-FFF2-40B4-BE49-F238E27FC236}">
-                <a16:creationId xmlns:a16="http://schemas.microsoft.com/office/drawing/2014/main" id="{0112FF97-4FC0-466B-A06B-209A538D68BC}"/>
+                <a16:creationId xmlns:a16="http://schemas.microsoft.com/office/drawing/2014/main" id="{9872EB9E-7179-43A1-9F7C-5DBDA78197BB}"/>
               </a:ext>
             </a:extLst>
           </p:cNvPr>
@@ -6495,116 +7939,14 @@
         </p:blipFill>
         <p:spPr>
           <a:xfrm>
-            <a:off x="10603683" y="-402672"/>
-            <a:ext cx="1926309" cy="1926309"/>
+            <a:off x="9695039" y="5998871"/>
+            <a:ext cx="2325511" cy="735304"/>
           </a:xfrm>
           <a:prstGeom prst="rect">
             <a:avLst/>
           </a:prstGeom>
         </p:spPr>
       </p:pic>
-      <p:sp>
-        <p:nvSpPr>
-          <p:cNvPr id="14" name="Titre 6">
-            <a:extLst>
-              <a:ext uri="{FF2B5EF4-FFF2-40B4-BE49-F238E27FC236}">
-                <a16:creationId xmlns:a16="http://schemas.microsoft.com/office/drawing/2014/main" id="{F72639EA-6DDA-4084-88F8-7C5E8BF13E9B}"/>
-              </a:ext>
-            </a:extLst>
-          </p:cNvPr>
-          <p:cNvSpPr>
-            <a:spLocks noGrp="1"/>
-          </p:cNvSpPr>
-          <p:nvPr>
-            <p:ph type="title"/>
-          </p:nvPr>
-        </p:nvSpPr>
-        <p:spPr>
-          <a:xfrm>
-            <a:off x="1622022" y="254550"/>
-            <a:ext cx="8544087" cy="6164611"/>
-          </a:xfrm>
-        </p:spPr>
-        <p:txBody>
-          <a:bodyPr anchor="t" anchorCtr="0">
-            <a:noAutofit/>
-          </a:bodyPr>
-          <a:lstStyle/>
-          <a:p>
-            <a:pPr algn="ctr"/>
-            <a:r>
-              <a:rPr lang="fr-FR" dirty="0"/>
-              <a:t>Sommaire</a:t>
-            </a:r>
-            <a:br>
-              <a:rPr lang="fr-FR" dirty="0"/>
-            </a:br>
-            <a:br>
-              <a:rPr lang="fr-FR" dirty="0"/>
-            </a:br>
-            <a:r>
-              <a:rPr lang="fr-FR" sz="1800" dirty="0" err="1">
-                <a:effectLst/>
-              </a:rPr>
-              <a:t>recap</a:t>
-            </a:r>
-            <a:r>
-              <a:rPr lang="fr-FR" sz="1800" dirty="0">
-                <a:effectLst/>
-              </a:rPr>
-              <a:t> du projet</a:t>
-            </a:r>
-            <a:br>
-              <a:rPr lang="fr-FR" sz="1800" dirty="0">
-                <a:effectLst/>
-              </a:rPr>
-            </a:br>
-            <a:r>
-              <a:rPr lang="fr-FR" sz="1800" dirty="0" err="1">
-                <a:effectLst/>
-              </a:rPr>
-              <a:t>gantt</a:t>
-            </a:r>
-            <a:br>
-              <a:rPr lang="fr-FR" sz="1800" dirty="0">
-                <a:effectLst/>
-              </a:rPr>
-            </a:br>
-            <a:r>
-              <a:rPr lang="fr-FR" sz="1800" dirty="0">
-                <a:effectLst/>
-              </a:rPr>
-              <a:t>diagramme</a:t>
-            </a:r>
-            <a:br>
-              <a:rPr lang="fr-FR" sz="1800" dirty="0">
-                <a:effectLst/>
-              </a:rPr>
-            </a:br>
-            <a:r>
-              <a:rPr lang="fr-FR" sz="1800" dirty="0">
-                <a:effectLst/>
-              </a:rPr>
-              <a:t>mes taches</a:t>
-            </a:r>
-            <a:br>
-              <a:rPr lang="fr-FR" sz="1800" dirty="0">
-                <a:effectLst/>
-              </a:rPr>
-            </a:br>
-            <a:r>
-              <a:rPr lang="fr-FR" sz="1800" dirty="0">
-                <a:effectLst/>
-              </a:rPr>
-              <a:t>communication</a:t>
-            </a:r>
-            <a:br>
-              <a:rPr lang="fr-FR" dirty="0"/>
-            </a:br>
-            <a:endParaRPr lang="fr-FR" dirty="0"/>
-          </a:p>
-        </p:txBody>
-      </p:sp>
     </p:spTree>
     <p:extLst>
       <p:ext uri="{BB962C8B-B14F-4D97-AF65-F5344CB8AC3E}">
@@ -6615,18 +7957,6 @@
   <p:clrMapOvr>
     <a:masterClrMapping/>
   </p:clrMapOvr>
-  <mc:AlternateContent xmlns:mc="http://schemas.openxmlformats.org/markup-compatibility/2006">
-    <mc:Choice xmlns:p15="http://schemas.microsoft.com/office/powerpoint/2012/main" Requires="p15">
-      <p:transition xmlns:p14="http://schemas.microsoft.com/office/powerpoint/2010/main" spd="slow" p14:dur="2000">
-        <p15:prstTrans prst="fallOver"/>
-      </p:transition>
-    </mc:Choice>
-    <mc:Fallback>
-      <p:transition spd="slow">
-        <p:fade/>
-      </p:transition>
-    </mc:Fallback>
-  </mc:AlternateContent>
 </p:sld>
 </file>
 
@@ -6786,10 +8116,10 @@
       </p:pic>
       <p:pic>
         <p:nvPicPr>
-          <p:cNvPr id="6" name="Image 5">
+          <p:cNvPr id="7" name="Image 6">
             <a:extLst>
               <a:ext uri="{FF2B5EF4-FFF2-40B4-BE49-F238E27FC236}">
-                <a16:creationId xmlns:a16="http://schemas.microsoft.com/office/drawing/2014/main" id="{0EE95567-444B-4F40-95F7-19167EB5C504}"/>
+                <a16:creationId xmlns:a16="http://schemas.microsoft.com/office/drawing/2014/main" id="{F5ABDB24-C94A-4978-A5EF-8EBBBA167444}"/>
               </a:ext>
             </a:extLst>
           </p:cNvPr>
@@ -6812,7 +8142,7 @@
         </p:blipFill>
         <p:spPr>
           <a:xfrm>
-            <a:off x="9866489" y="6122696"/>
+            <a:off x="9695039" y="5998871"/>
             <a:ext cx="2325511" cy="735304"/>
           </a:xfrm>
           <a:prstGeom prst="rect">
@@ -7612,10 +8942,10 @@
       </p:pic>
       <p:pic>
         <p:nvPicPr>
-          <p:cNvPr id="28" name="Image 27">
+          <p:cNvPr id="29" name="Image 28">
             <a:extLst>
               <a:ext uri="{FF2B5EF4-FFF2-40B4-BE49-F238E27FC236}">
-                <a16:creationId xmlns:a16="http://schemas.microsoft.com/office/drawing/2014/main" id="{A45F3DAB-555A-4EF2-9DB7-6413A542AB68}"/>
+                <a16:creationId xmlns:a16="http://schemas.microsoft.com/office/drawing/2014/main" id="{12872978-F278-40FD-9B06-5DE54C1BB6D6}"/>
               </a:ext>
             </a:extLst>
           </p:cNvPr>
@@ -7638,7 +8968,7 @@
         </p:blipFill>
         <p:spPr>
           <a:xfrm>
-            <a:off x="9866489" y="6122696"/>
+            <a:off x="9695039" y="5998871"/>
             <a:ext cx="2325511" cy="735304"/>
           </a:xfrm>
           <a:prstGeom prst="rect">
@@ -7862,10 +9192,10 @@
       </p:pic>
       <p:pic>
         <p:nvPicPr>
-          <p:cNvPr id="8" name="Image 7">
+          <p:cNvPr id="9" name="Image 8">
             <a:extLst>
               <a:ext uri="{FF2B5EF4-FFF2-40B4-BE49-F238E27FC236}">
-                <a16:creationId xmlns:a16="http://schemas.microsoft.com/office/drawing/2014/main" id="{B3012587-83B4-4172-8B27-1583945BBA25}"/>
+                <a16:creationId xmlns:a16="http://schemas.microsoft.com/office/drawing/2014/main" id="{2C0276F8-FDB4-4243-9527-0BE31F701507}"/>
               </a:ext>
             </a:extLst>
           </p:cNvPr>
@@ -7888,7 +9218,7 @@
         </p:blipFill>
         <p:spPr>
           <a:xfrm>
-            <a:off x="9866489" y="6122696"/>
+            <a:off x="9695039" y="5998871"/>
             <a:ext cx="2325511" cy="735304"/>
           </a:xfrm>
           <a:prstGeom prst="rect">
@@ -8112,10 +9442,10 @@
       </p:pic>
       <p:pic>
         <p:nvPicPr>
-          <p:cNvPr id="8" name="Image 7">
+          <p:cNvPr id="9" name="Image 8">
             <a:extLst>
               <a:ext uri="{FF2B5EF4-FFF2-40B4-BE49-F238E27FC236}">
-                <a16:creationId xmlns:a16="http://schemas.microsoft.com/office/drawing/2014/main" id="{96E25F36-7367-4DCB-B4D8-4100013C77A8}"/>
+                <a16:creationId xmlns:a16="http://schemas.microsoft.com/office/drawing/2014/main" id="{09487DAB-C0AB-4889-8A9C-C249CF58159B}"/>
               </a:ext>
             </a:extLst>
           </p:cNvPr>
@@ -8138,7 +9468,7 @@
         </p:blipFill>
         <p:spPr>
           <a:xfrm>
-            <a:off x="9866489" y="6122696"/>
+            <a:off x="9695039" y="5998871"/>
             <a:ext cx="2325511" cy="735304"/>
           </a:xfrm>
           <a:prstGeom prst="rect">
@@ -8190,8 +9520,8 @@
         </p:nvSpPr>
         <p:spPr>
           <a:xfrm>
-            <a:off x="616025" y="2294474"/>
-            <a:ext cx="8146137" cy="2731275"/>
+            <a:off x="799402" y="2129941"/>
+            <a:ext cx="8146137" cy="3828599"/>
           </a:xfrm>
           <a:prstGeom prst="rect">
             <a:avLst/>
@@ -8209,30 +9539,35 @@
               <a:buChar char="•"/>
             </a:pPr>
             <a:r>
-              <a:rPr lang="fr-FR" sz="2000" dirty="0"/>
-              <a:t>Installation d’une machine Linux pour assurer le rôle de serveur</a:t>
-            </a:r>
-          </a:p>
-          <a:p>
-            <a:pPr marL="285750" lvl="0" indent="-285750">
-              <a:buFont typeface="Arial" panose="020B0604020202020204" pitchFamily="34" charset="0"/>
-              <a:buChar char="•"/>
-            </a:pPr>
+              <a:rPr lang="fr-FR" sz="2400" dirty="0">
+                <a:solidFill>
+                  <a:srgbClr val="92D050"/>
+                </a:solidFill>
+              </a:rPr>
+              <a:t>I</a:t>
+            </a:r>
+            <a:r>
+              <a:rPr lang="fr-FR" sz="2400" dirty="0"/>
+              <a:t>nstallation d’une machine Linux pour assurer le rôle de serveur</a:t>
+            </a:r>
+          </a:p>
+          <a:p>
+            <a:pPr lvl="1"/>
+            <a:r>
+              <a:rPr lang="fr-FR" dirty="0"/>
+              <a:t>	</a:t>
+            </a:r>
+          </a:p>
+          <a:p>
+            <a:pPr lvl="1"/>
+            <a:r>
+              <a:rPr lang="fr-FR" dirty="0"/>
+              <a:t>	Hébergement des pages Web et de la base de données</a:t>
+            </a:r>
+          </a:p>
+          <a:p>
+            <a:pPr lvl="0"/>
             <a:endParaRPr lang="fr-FR" dirty="0"/>
-          </a:p>
-          <a:p>
-            <a:pPr lvl="1"/>
-            <a:r>
-              <a:rPr lang="fr-FR" dirty="0"/>
-              <a:t>Consulter la mesure instantanée en fonction du vent </a:t>
-            </a:r>
-          </a:p>
-          <a:p>
-            <a:pPr lvl="1"/>
-            <a:r>
-              <a:rPr lang="fr-FR" dirty="0"/>
-              <a:t>Consulter un scénario de test précédemment effectué</a:t>
-            </a:r>
           </a:p>
           <a:p>
             <a:pPr lvl="0"/>
@@ -8248,8 +9583,37 @@
               <a:buChar char="•"/>
             </a:pPr>
             <a:r>
-              <a:rPr lang="fr-FR" sz="2000" dirty="0"/>
-              <a:t>Réaliser les pages Web de consultation</a:t>
+              <a:rPr lang="fr-FR" sz="2400" dirty="0">
+                <a:solidFill>
+                  <a:srgbClr val="92D050"/>
+                </a:solidFill>
+              </a:rPr>
+              <a:t>R</a:t>
+            </a:r>
+            <a:r>
+              <a:rPr lang="fr-FR" sz="2400" dirty="0"/>
+              <a:t>éaliser les pages Web de consultation</a:t>
+            </a:r>
+          </a:p>
+          <a:p>
+            <a:pPr marL="285750" indent="-285750">
+              <a:buFont typeface="Arial" panose="020B0604020202020204" pitchFamily="34" charset="0"/>
+              <a:buChar char="•"/>
+            </a:pPr>
+            <a:endParaRPr lang="fr-FR" sz="2400" dirty="0"/>
+          </a:p>
+          <a:p>
+            <a:pPr lvl="1"/>
+            <a:r>
+              <a:rPr lang="fr-FR" dirty="0"/>
+              <a:t>	Consulter la mesure instantanée en fonction du vent </a:t>
+            </a:r>
+          </a:p>
+          <a:p>
+            <a:pPr lvl="1"/>
+            <a:r>
+              <a:rPr lang="fr-FR" dirty="0"/>
+              <a:t>	Consulter un scénario de test précédemment effectué</a:t>
             </a:r>
           </a:p>
           <a:p>
@@ -8260,13 +9624,6 @@
             <a:endParaRPr lang="fr-FR" dirty="0"/>
           </a:p>
           <a:p>
-            <a:pPr lvl="1"/>
-            <a:r>
-              <a:rPr lang="fr-FR" dirty="0"/>
-              <a:t>Hébergement des pages Web et de la base de données</a:t>
-            </a:r>
-          </a:p>
-          <a:p>
             <a:pPr lvl="0"/>
             <a:endParaRPr lang="fr-FR" dirty="0"/>
           </a:p>
@@ -8285,42 +9642,6 @@
           <a:p>
             <a:pPr lvl="0"/>
             <a:endParaRPr lang="fr-FR" dirty="0"/>
-          </a:p>
-        </p:txBody>
-      </p:sp>
-      <p:sp>
-        <p:nvSpPr>
-          <p:cNvPr id="10" name="ZoneTexte 9">
-            <a:extLst>
-              <a:ext uri="{FF2B5EF4-FFF2-40B4-BE49-F238E27FC236}">
-                <a16:creationId xmlns:a16="http://schemas.microsoft.com/office/drawing/2014/main" id="{3D27D8A1-1762-44E4-82DF-99C15902A33C}"/>
-              </a:ext>
-            </a:extLst>
-          </p:cNvPr>
-          <p:cNvSpPr txBox="1"/>
-          <p:nvPr/>
-        </p:nvSpPr>
-        <p:spPr>
-          <a:xfrm>
-            <a:off x="0" y="549512"/>
-            <a:ext cx="12192000" cy="369332"/>
-          </a:xfrm>
-          <a:prstGeom prst="rect">
-            <a:avLst/>
-          </a:prstGeom>
-          <a:noFill/>
-        </p:spPr>
-        <p:txBody>
-          <a:bodyPr wrap="square" rtlCol="0">
-            <a:noAutofit/>
-          </a:bodyPr>
-          <a:lstStyle/>
-          <a:p>
-            <a:pPr algn="ctr"/>
-            <a:r>
-              <a:rPr lang="fr-FR" sz="5400" dirty="0"/>
-              <a:t>Mes tâches </a:t>
-            </a:r>
           </a:p>
         </p:txBody>
       </p:sp>
@@ -8352,8 +9673,8 @@
         </p:blipFill>
         <p:spPr>
           <a:xfrm>
-            <a:off x="8245898" y="812113"/>
-            <a:ext cx="847209" cy="847209"/>
+            <a:off x="8020371" y="997068"/>
+            <a:ext cx="571329" cy="571329"/>
           </a:xfrm>
           <a:prstGeom prst="rect">
             <a:avLst/>
@@ -8362,10 +9683,10 @@
       </p:pic>
       <p:pic>
         <p:nvPicPr>
-          <p:cNvPr id="14" name="Image 13">
+          <p:cNvPr id="15" name="Image 14">
             <a:extLst>
               <a:ext uri="{FF2B5EF4-FFF2-40B4-BE49-F238E27FC236}">
-                <a16:creationId xmlns:a16="http://schemas.microsoft.com/office/drawing/2014/main" id="{2ED09805-1300-4D81-9275-3D6585E75E0B}"/>
+                <a16:creationId xmlns:a16="http://schemas.microsoft.com/office/drawing/2014/main" id="{A15665C6-B099-47C8-A5E3-48B90BB82568}"/>
               </a:ext>
             </a:extLst>
           </p:cNvPr>
@@ -8388,8 +9709,8 @@
         </p:blipFill>
         <p:spPr>
           <a:xfrm>
-            <a:off x="9866489" y="6122696"/>
-            <a:ext cx="2325511" cy="735304"/>
+            <a:off x="10603683" y="-402672"/>
+            <a:ext cx="1926309" cy="1926309"/>
           </a:xfrm>
           <a:prstGeom prst="rect">
             <a:avLst/>
@@ -8398,10 +9719,10 @@
       </p:pic>
       <p:pic>
         <p:nvPicPr>
-          <p:cNvPr id="15" name="Image 14">
+          <p:cNvPr id="7" name="Image 6">
             <a:extLst>
               <a:ext uri="{FF2B5EF4-FFF2-40B4-BE49-F238E27FC236}">
-                <a16:creationId xmlns:a16="http://schemas.microsoft.com/office/drawing/2014/main" id="{A15665C6-B099-47C8-A5E3-48B90BB82568}"/>
+                <a16:creationId xmlns:a16="http://schemas.microsoft.com/office/drawing/2014/main" id="{E4E76F7B-CDEA-4FE9-BDE0-D0CA2631C8FC}"/>
               </a:ext>
             </a:extLst>
           </p:cNvPr>
@@ -8424,14 +9745,58 @@
         </p:blipFill>
         <p:spPr>
           <a:xfrm>
-            <a:off x="10603683" y="-402672"/>
-            <a:ext cx="1926309" cy="1926309"/>
+            <a:off x="9695039" y="5998871"/>
+            <a:ext cx="2325511" cy="735304"/>
           </a:xfrm>
           <a:prstGeom prst="rect">
             <a:avLst/>
           </a:prstGeom>
         </p:spPr>
       </p:pic>
+      <p:sp>
+        <p:nvSpPr>
+          <p:cNvPr id="9" name="ZoneTexte 8">
+            <a:extLst>
+              <a:ext uri="{FF2B5EF4-FFF2-40B4-BE49-F238E27FC236}">
+                <a16:creationId xmlns:a16="http://schemas.microsoft.com/office/drawing/2014/main" id="{7FAAB401-DA3E-4200-B55C-12CBE3B1DDBE}"/>
+              </a:ext>
+            </a:extLst>
+          </p:cNvPr>
+          <p:cNvSpPr txBox="1"/>
+          <p:nvPr/>
+        </p:nvSpPr>
+        <p:spPr>
+          <a:xfrm>
+            <a:off x="425938" y="435524"/>
+            <a:ext cx="10902461" cy="847209"/>
+          </a:xfrm>
+          <a:prstGeom prst="rect">
+            <a:avLst/>
+          </a:prstGeom>
+          <a:noFill/>
+        </p:spPr>
+        <p:txBody>
+          <a:bodyPr wrap="square" rtlCol="0">
+            <a:noAutofit/>
+          </a:bodyPr>
+          <a:lstStyle/>
+          <a:p>
+            <a:pPr lvl="0" algn="ctr"/>
+            <a:r>
+              <a:rPr lang="fr-FR" sz="6000" dirty="0">
+                <a:solidFill>
+                  <a:srgbClr val="92D050"/>
+                </a:solidFill>
+              </a:rPr>
+              <a:t>M</a:t>
+            </a:r>
+            <a:r>
+              <a:rPr lang="fr-FR" sz="6000" dirty="0"/>
+              <a:t>es tâches</a:t>
+            </a:r>
+          </a:p>
+        </p:txBody>
+      </p:sp>
     </p:spTree>
     <p:extLst>
       <p:ext uri="{BB962C8B-B14F-4D97-AF65-F5344CB8AC3E}">
@@ -8442,13 +9807,13 @@
   <p:clrMapOvr>
     <a:masterClrMapping/>
   </p:clrMapOvr>
-  <mc:AlternateContent xmlns:mc="http://schemas.openxmlformats.org/markup-compatibility/2006">
-    <mc:Choice xmlns:p159="http://schemas.microsoft.com/office/powerpoint/2015/09/main" Requires="p159">
+  <mc:AlternateContent xmlns:mc="http://schemas.openxmlformats.org/markup-compatibility/2006" xmlns:p159="http://schemas.microsoft.com/office/powerpoint/2015/09/main">
+    <mc:Choice Requires="p159">
       <p:transition xmlns:p14="http://schemas.microsoft.com/office/powerpoint/2010/main" spd="slow" p14:dur="2000">
         <p159:morph option="byObject"/>
       </p:transition>
     </mc:Choice>
-    <mc:Fallback>
+    <mc:Fallback xmlns="">
       <p:transition spd="slow">
         <p:fade/>
       </p:transition>
@@ -8489,7 +9854,7 @@
         <p:spPr>
           <a:xfrm>
             <a:off x="643095" y="383714"/>
-            <a:ext cx="10902461" cy="1670554"/>
+            <a:ext cx="10149951" cy="1670554"/>
           </a:xfrm>
           <a:prstGeom prst="rect">
             <a:avLst/>
@@ -8504,8 +9869,16 @@
           <a:p>
             <a:pPr lvl="0" algn="ctr"/>
             <a:r>
+              <a:rPr lang="fr-FR" sz="3600" dirty="0">
+                <a:solidFill>
+                  <a:srgbClr val="92D050"/>
+                </a:solidFill>
+              </a:rPr>
+              <a:t>I</a:t>
+            </a:r>
+            <a:r>
               <a:rPr lang="fr-FR" sz="3600" dirty="0"/>
-              <a:t>Installation d’une machine Linux pour assurer le rôle de serveur</a:t>
+              <a:t>nstallation d’une machine Linux pour assurer le rôle de serveur</a:t>
             </a:r>
           </a:p>
         </p:txBody>
@@ -8532,8 +9905,8 @@
         </p:blipFill>
         <p:spPr>
           <a:xfrm>
-            <a:off x="643095" y="2765968"/>
-            <a:ext cx="2599921" cy="735902"/>
+            <a:off x="4785366" y="2923089"/>
+            <a:ext cx="1787371" cy="505911"/>
           </a:xfrm>
           <a:prstGeom prst="rect">
             <a:avLst/>
@@ -8554,8 +9927,8 @@
         </p:nvSpPr>
         <p:spPr>
           <a:xfrm>
-            <a:off x="261257" y="2270928"/>
-            <a:ext cx="3541800" cy="646331"/>
+            <a:off x="3458308" y="2215082"/>
+            <a:ext cx="5507613" cy="738664"/>
           </a:xfrm>
           <a:prstGeom prst="rect">
             <a:avLst/>
@@ -8569,7 +9942,7 @@
           <a:lstStyle/>
           <a:p>
             <a:r>
-              <a:rPr lang="fr-FR" dirty="0"/>
+              <a:rPr lang="fr-FR" sz="2400" dirty="0"/>
               <a:t>Choix de la distribution Linux </a:t>
             </a:r>
           </a:p>
@@ -8580,10 +9953,10 @@
       </p:sp>
       <p:pic>
         <p:nvPicPr>
-          <p:cNvPr id="11" name="Image 10">
+          <p:cNvPr id="12" name="Image 11">
             <a:extLst>
               <a:ext uri="{FF2B5EF4-FFF2-40B4-BE49-F238E27FC236}">
-                <a16:creationId xmlns:a16="http://schemas.microsoft.com/office/drawing/2014/main" id="{9E5ED604-12D3-4AA2-A9A0-D67A3D976586}"/>
+                <a16:creationId xmlns:a16="http://schemas.microsoft.com/office/drawing/2014/main" id="{A12B79CC-9844-4A3E-A47E-C8DA144B3346}"/>
               </a:ext>
             </a:extLst>
           </p:cNvPr>
@@ -8606,8 +9979,8 @@
         </p:blipFill>
         <p:spPr>
           <a:xfrm>
-            <a:off x="9866489" y="6122696"/>
-            <a:ext cx="2325511" cy="735304"/>
+            <a:off x="10603683" y="-402672"/>
+            <a:ext cx="1926309" cy="1926309"/>
           </a:xfrm>
           <a:prstGeom prst="rect">
             <a:avLst/>
@@ -8616,10 +9989,10 @@
       </p:pic>
       <p:pic>
         <p:nvPicPr>
-          <p:cNvPr id="12" name="Image 11">
+          <p:cNvPr id="7" name="Image 6">
             <a:extLst>
               <a:ext uri="{FF2B5EF4-FFF2-40B4-BE49-F238E27FC236}">
-                <a16:creationId xmlns:a16="http://schemas.microsoft.com/office/drawing/2014/main" id="{A12B79CC-9844-4A3E-A47E-C8DA144B3346}"/>
+                <a16:creationId xmlns:a16="http://schemas.microsoft.com/office/drawing/2014/main" id="{E83FBAA0-5AF6-40CD-BD56-A9A6F5AB0074}"/>
               </a:ext>
             </a:extLst>
           </p:cNvPr>
@@ -8642,14 +10015,110 @@
         </p:blipFill>
         <p:spPr>
           <a:xfrm>
-            <a:off x="10603683" y="-402672"/>
-            <a:ext cx="1926309" cy="1926309"/>
+            <a:off x="9695039" y="5998871"/>
+            <a:ext cx="2325511" cy="735304"/>
           </a:xfrm>
           <a:prstGeom prst="rect">
             <a:avLst/>
           </a:prstGeom>
         </p:spPr>
       </p:pic>
+      <p:sp>
+        <p:nvSpPr>
+          <p:cNvPr id="2" name="Rectangle 1">
+            <a:extLst>
+              <a:ext uri="{FF2B5EF4-FFF2-40B4-BE49-F238E27FC236}">
+                <a16:creationId xmlns:a16="http://schemas.microsoft.com/office/drawing/2014/main" id="{2C4C3561-A1DD-453F-98AF-C81DF4AB2365}"/>
+              </a:ext>
+            </a:extLst>
+          </p:cNvPr>
+          <p:cNvSpPr/>
+          <p:nvPr/>
+        </p:nvSpPr>
+        <p:spPr>
+          <a:xfrm>
+            <a:off x="3184768" y="3889637"/>
+            <a:ext cx="5822464" cy="1148904"/>
+          </a:xfrm>
+          <a:prstGeom prst="rect">
+            <a:avLst/>
+          </a:prstGeom>
+        </p:spPr>
+        <p:txBody>
+          <a:bodyPr wrap="square">
+            <a:spAutoFit/>
+          </a:bodyPr>
+          <a:lstStyle/>
+          <a:p>
+            <a:pPr marL="285750" indent="-285750" algn="just">
+              <a:lnSpc>
+                <a:spcPct val="107000"/>
+              </a:lnSpc>
+              <a:spcAft>
+                <a:spcPts val="0"/>
+              </a:spcAft>
+              <a:buFont typeface="Arial" panose="020B0604020202020204" pitchFamily="34" charset="0"/>
+              <a:buChar char="•"/>
+            </a:pPr>
+            <a:r>
+              <a:rPr lang="fr-FR" sz="1400" dirty="0">
+                <a:latin typeface="Century Gothic" panose="020B0502020202020204" pitchFamily="34" charset="0"/>
+                <a:ea typeface="Calibri" panose="020F0502020204030204" pitchFamily="34" charset="0"/>
+                <a:cs typeface="Times New Roman" panose="02020603050405020304" pitchFamily="18" charset="0"/>
+              </a:rPr>
+              <a:t>Considérée comme </a:t>
+            </a:r>
+            <a:r>
+              <a:rPr lang="fr-FR" sz="1600" dirty="0">
+                <a:latin typeface="Century Gothic" panose="020B0502020202020204" pitchFamily="34" charset="0"/>
+                <a:ea typeface="Calibri" panose="020F0502020204030204" pitchFamily="34" charset="0"/>
+                <a:cs typeface="Open Sans" panose="020B0606030504020204" pitchFamily="34" charset="0"/>
+              </a:rPr>
+              <a:t>plus stable qu’Ubuntu.</a:t>
+            </a:r>
+            <a:r>
+              <a:rPr lang="fr-FR" sz="2000" dirty="0">
+                <a:latin typeface="Century Gothic" panose="020B0502020202020204" pitchFamily="34" charset="0"/>
+                <a:ea typeface="Calibri" panose="020F0502020204030204" pitchFamily="34" charset="0"/>
+                <a:cs typeface="Open Sans" panose="020B0606030504020204" pitchFamily="34" charset="0"/>
+              </a:rPr>
+              <a:t>  </a:t>
+            </a:r>
+          </a:p>
+          <a:p>
+            <a:pPr marL="285750" indent="-285750" algn="just">
+              <a:lnSpc>
+                <a:spcPct val="107000"/>
+              </a:lnSpc>
+              <a:spcAft>
+                <a:spcPts val="0"/>
+              </a:spcAft>
+              <a:buFont typeface="Arial" panose="020B0604020202020204" pitchFamily="34" charset="0"/>
+              <a:buChar char="•"/>
+            </a:pPr>
+            <a:endParaRPr lang="fr-FR" dirty="0">
+              <a:latin typeface="Century Gothic" panose="020B0502020202020204" pitchFamily="34" charset="0"/>
+              <a:ea typeface="Calibri" panose="020F0502020204030204" pitchFamily="34" charset="0"/>
+              <a:cs typeface="Times New Roman" panose="02020603050405020304" pitchFamily="18" charset="0"/>
+            </a:endParaRPr>
+          </a:p>
+          <a:p>
+            <a:pPr marL="285750" indent="-285750">
+              <a:buFont typeface="Arial" panose="020B0604020202020204" pitchFamily="34" charset="0"/>
+              <a:buChar char="•"/>
+            </a:pPr>
+            <a:r>
+              <a:rPr lang="fr-FR" sz="1400" dirty="0">
+                <a:latin typeface="Century Gothic" panose="020B0502020202020204" pitchFamily="34" charset="0"/>
+                <a:ea typeface="Calibri" panose="020F0502020204030204" pitchFamily="34" charset="0"/>
+                <a:cs typeface="Open Sans" panose="020B0606030504020204" pitchFamily="34" charset="0"/>
+              </a:rPr>
+              <a:t>Debian a été conçue originellement pour faire fonctionner des serveurs.</a:t>
+            </a:r>
+            <a:endParaRPr lang="fr-FR" dirty="0"/>
+          </a:p>
+        </p:txBody>
+      </p:sp>
     </p:spTree>
     <p:extLst>
       <p:ext uri="{BB962C8B-B14F-4D97-AF65-F5344CB8AC3E}">
@@ -8660,13 +10129,13 @@
   <p:clrMapOvr>
     <a:masterClrMapping/>
   </p:clrMapOvr>
-  <mc:AlternateContent xmlns:mc="http://schemas.openxmlformats.org/markup-compatibility/2006">
-    <mc:Choice xmlns:p159="http://schemas.microsoft.com/office/powerpoint/2015/09/main" Requires="p159">
+  <mc:AlternateContent xmlns:mc="http://schemas.openxmlformats.org/markup-compatibility/2006" xmlns:p159="http://schemas.microsoft.com/office/powerpoint/2015/09/main">
+    <mc:Choice Requires="p159">
       <p:transition xmlns:p14="http://schemas.microsoft.com/office/powerpoint/2010/main" spd="slow" p14:dur="2000">
         <p159:morph option="byObject"/>
       </p:transition>
     </mc:Choice>
-    <mc:Fallback>
+    <mc:Fallback xmlns="">
       <p:transition spd="slow">
         <p:fade/>
       </p:transition>
@@ -8692,180 +10161,12 @@
           <a:chExt cx="0" cy="0"/>
         </a:xfrm>
       </p:grpSpPr>
-      <p:sp>
-        <p:nvSpPr>
-          <p:cNvPr id="9" name="ZoneTexte 8">
-            <a:extLst>
-              <a:ext uri="{FF2B5EF4-FFF2-40B4-BE49-F238E27FC236}">
-                <a16:creationId xmlns:a16="http://schemas.microsoft.com/office/drawing/2014/main" id="{7A1AE439-6D85-42F1-9CB9-8ACFD270A7D5}"/>
-              </a:ext>
-            </a:extLst>
-          </p:cNvPr>
-          <p:cNvSpPr txBox="1"/>
-          <p:nvPr/>
-        </p:nvSpPr>
-        <p:spPr>
-          <a:xfrm>
-            <a:off x="3680774" y="405673"/>
-            <a:ext cx="7713406" cy="369332"/>
-          </a:xfrm>
-          <a:prstGeom prst="rect">
-            <a:avLst/>
-          </a:prstGeom>
-          <a:noFill/>
-        </p:spPr>
-        <p:txBody>
-          <a:bodyPr wrap="square" rtlCol="0">
-            <a:noAutofit/>
-          </a:bodyPr>
-          <a:lstStyle/>
-          <a:p>
-            <a:r>
-              <a:rPr lang="fr-FR" dirty="0"/>
-              <a:t>Réaliser les pages Web de consultation</a:t>
-            </a:r>
-          </a:p>
-        </p:txBody>
-      </p:sp>
-      <p:sp>
-        <p:nvSpPr>
-          <p:cNvPr id="13" name="ZoneTexte 12">
-            <a:extLst>
-              <a:ext uri="{FF2B5EF4-FFF2-40B4-BE49-F238E27FC236}">
-                <a16:creationId xmlns:a16="http://schemas.microsoft.com/office/drawing/2014/main" id="{CFAF88F2-2399-4F13-A290-13C56FCCC8C2}"/>
-              </a:ext>
-            </a:extLst>
-          </p:cNvPr>
-          <p:cNvSpPr txBox="1"/>
-          <p:nvPr/>
-        </p:nvSpPr>
-        <p:spPr>
-          <a:xfrm>
-            <a:off x="435155" y="405673"/>
-            <a:ext cx="8146137" cy="2731275"/>
-          </a:xfrm>
-          <a:prstGeom prst="rect">
-            <a:avLst/>
-          </a:prstGeom>
-          <a:noFill/>
-        </p:spPr>
-        <p:txBody>
-          <a:bodyPr wrap="square" rtlCol="0">
-            <a:noAutofit/>
-          </a:bodyPr>
-          <a:lstStyle/>
-          <a:p>
-            <a:r>
-              <a:rPr lang="fr-FR" dirty="0"/>
-              <a:t>Réalisation d’une </a:t>
-            </a:r>
-            <a:r>
-              <a:rPr lang="fr-FR" dirty="0" err="1"/>
-              <a:t>ihm</a:t>
-            </a:r>
-            <a:r>
-              <a:rPr lang="fr-FR" dirty="0"/>
-              <a:t> Cela m’a permis d’optimiser mon site pour crée quelque chose d’intuitif qui permet une lecture rapide des informations (polices de caractères, couleurs, contrastes, forme des icônes...).</a:t>
-            </a:r>
-          </a:p>
-          <a:p>
-            <a:r>
-              <a:rPr lang="fr-FR" dirty="0"/>
-              <a:t> </a:t>
-            </a:r>
-          </a:p>
-          <a:p>
-            <a:r>
-              <a:rPr lang="fr-FR" dirty="0"/>
-              <a:t>Afin que mon site soit ergonomique il devra répondre à deux critères : </a:t>
-            </a:r>
-          </a:p>
-          <a:p>
-            <a:pPr lvl="0"/>
-            <a:r>
-              <a:rPr lang="fr-FR" dirty="0"/>
-              <a:t>Le critère d'utilité qui correspond au besoin de l'utilisateur ;</a:t>
-            </a:r>
-          </a:p>
-          <a:p>
-            <a:pPr lvl="0"/>
-            <a:r>
-              <a:rPr lang="fr-FR" dirty="0"/>
-              <a:t>Le critère " d'utilisabilité " qui correspond à la facilité d'utilisation</a:t>
-            </a:r>
-          </a:p>
-          <a:p>
-            <a:r>
-              <a:rPr lang="fr-FR" dirty="0"/>
-              <a:t> </a:t>
-            </a:r>
-          </a:p>
-          <a:p>
-            <a:r>
-              <a:rPr lang="fr-FR" dirty="0"/>
-              <a:t> </a:t>
-            </a:r>
-          </a:p>
-          <a:p>
-            <a:r>
-              <a:rPr lang="fr-FR" dirty="0"/>
-              <a:t>Mes IHM ont été réalisés avec le logiciel </a:t>
-            </a:r>
-            <a:r>
-              <a:rPr lang="fr-FR" i="1" dirty="0" err="1"/>
-              <a:t>canva</a:t>
-            </a:r>
-            <a:endParaRPr lang="fr-FR" dirty="0"/>
-          </a:p>
-          <a:p>
-            <a:r>
-              <a:rPr lang="fr-FR" dirty="0"/>
-              <a:t> </a:t>
-            </a:r>
-          </a:p>
-        </p:txBody>
-      </p:sp>
-      <p:sp>
-        <p:nvSpPr>
-          <p:cNvPr id="2" name="ZoneTexte 1">
-            <a:extLst>
-              <a:ext uri="{FF2B5EF4-FFF2-40B4-BE49-F238E27FC236}">
-                <a16:creationId xmlns:a16="http://schemas.microsoft.com/office/drawing/2014/main" id="{C9CB27E7-013B-4BFA-AC3F-5E89EAF4624B}"/>
-              </a:ext>
-            </a:extLst>
-          </p:cNvPr>
-          <p:cNvSpPr txBox="1"/>
-          <p:nvPr/>
-        </p:nvSpPr>
-        <p:spPr>
-          <a:xfrm>
-            <a:off x="7264958" y="2773345"/>
-            <a:ext cx="3295860" cy="369332"/>
-          </a:xfrm>
-          <a:prstGeom prst="rect">
-            <a:avLst/>
-          </a:prstGeom>
-          <a:noFill/>
-        </p:spPr>
-        <p:txBody>
-          <a:bodyPr wrap="square" rtlCol="0">
-            <a:spAutoFit/>
-          </a:bodyPr>
-          <a:lstStyle/>
-          <a:p>
-            <a:r>
-              <a:rPr lang="fr-FR" dirty="0"/>
-              <a:t>Réalisation d’une IHM</a:t>
-            </a:r>
-          </a:p>
-        </p:txBody>
-      </p:sp>
       <p:pic>
         <p:nvPicPr>
-          <p:cNvPr id="14" name="Image 13">
+          <p:cNvPr id="4" name="Image 3">
             <a:extLst>
               <a:ext uri="{FF2B5EF4-FFF2-40B4-BE49-F238E27FC236}">
-                <a16:creationId xmlns:a16="http://schemas.microsoft.com/office/drawing/2014/main" id="{E35D6F06-3453-4D87-9B97-9B2E09C379B2}"/>
+                <a16:creationId xmlns:a16="http://schemas.microsoft.com/office/drawing/2014/main" id="{89F71D64-6EA6-41EC-B4A3-3E09AABB517D}"/>
               </a:ext>
             </a:extLst>
           </p:cNvPr>
@@ -8888,7 +10189,7 @@
         </p:blipFill>
         <p:spPr>
           <a:xfrm>
-            <a:off x="9866489" y="6122696"/>
+            <a:off x="9695039" y="5998871"/>
             <a:ext cx="2325511" cy="735304"/>
           </a:xfrm>
           <a:prstGeom prst="rect">
@@ -8898,10 +10199,10 @@
       </p:pic>
       <p:pic>
         <p:nvPicPr>
-          <p:cNvPr id="15" name="Image 14">
+          <p:cNvPr id="5" name="Image 4">
             <a:extLst>
               <a:ext uri="{FF2B5EF4-FFF2-40B4-BE49-F238E27FC236}">
-                <a16:creationId xmlns:a16="http://schemas.microsoft.com/office/drawing/2014/main" id="{647466A4-A974-417C-924D-268B8C1E17F6}"/>
+                <a16:creationId xmlns:a16="http://schemas.microsoft.com/office/drawing/2014/main" id="{7DD417EE-E13A-4F50-8175-6E737F3369F7}"/>
               </a:ext>
             </a:extLst>
           </p:cNvPr>
@@ -8932,10 +10233,46 @@
           </a:prstGeom>
         </p:spPr>
       </p:pic>
+      <p:pic>
+        <p:nvPicPr>
+          <p:cNvPr id="7" name="Image 6">
+            <a:extLst>
+              <a:ext uri="{FF2B5EF4-FFF2-40B4-BE49-F238E27FC236}">
+                <a16:creationId xmlns:a16="http://schemas.microsoft.com/office/drawing/2014/main" id="{1E140D53-0C0E-4767-AEAB-1A5BA538D15E}"/>
+              </a:ext>
+            </a:extLst>
+          </p:cNvPr>
+          <p:cNvPicPr>
+            <a:picLocks noChangeAspect="1"/>
+          </p:cNvPicPr>
+          <p:nvPr/>
+        </p:nvPicPr>
+        <p:blipFill>
+          <a:blip r:embed="rId4">
+            <a:extLst>
+              <a:ext uri="{28A0092B-C50C-407E-A947-70E740481C1C}">
+                <a14:useLocalDpi xmlns:a14="http://schemas.microsoft.com/office/drawing/2010/main" val="0"/>
+              </a:ext>
+            </a:extLst>
+          </a:blip>
+          <a:stretch>
+            <a:fillRect/>
+          </a:stretch>
+        </p:blipFill>
+        <p:spPr>
+          <a:xfrm>
+            <a:off x="3834881" y="1082193"/>
+            <a:ext cx="4246448" cy="4012235"/>
+          </a:xfrm>
+          <a:prstGeom prst="rect">
+            <a:avLst/>
+          </a:prstGeom>
+        </p:spPr>
+      </p:pic>
     </p:spTree>
     <p:extLst>
       <p:ext uri="{BB962C8B-B14F-4D97-AF65-F5344CB8AC3E}">
-        <p14:creationId xmlns:p14="http://schemas.microsoft.com/office/powerpoint/2010/main" val="744386678"/>
+        <p14:creationId xmlns:p14="http://schemas.microsoft.com/office/powerpoint/2010/main" val="1015388270"/>
       </p:ext>
     </p:extLst>
   </p:cSld>
